--- a/docs/Project_Presentation.pptx
+++ b/docs/Project_Presentation.pptx
@@ -2,7 +2,7 @@
 <file path=ppt/presentation.xml><?xml version="1.0" encoding="utf-8"?>
 <p:presentation xmlns:a="http://schemas.openxmlformats.org/drawingml/2006/main" xmlns:r="http://schemas.openxmlformats.org/officeDocument/2006/relationships" xmlns:p="http://schemas.openxmlformats.org/presentationml/2006/main" saveSubsetFonts="1">
   <p:sldMasterIdLst>
-    <p:sldMasterId id="2147483648" r:id="rId1"/>
+    <p:sldMasterId id="2147483702" r:id="rId1"/>
   </p:sldMasterIdLst>
   <p:sldIdLst>
     <p:sldId id="256" r:id="rId2"/>
@@ -10,10 +10,14 @@
     <p:sldId id="258" r:id="rId4"/>
     <p:sldId id="259" r:id="rId5"/>
     <p:sldId id="264" r:id="rId6"/>
-    <p:sldId id="260" r:id="rId7"/>
-    <p:sldId id="261" r:id="rId8"/>
-    <p:sldId id="262" r:id="rId9"/>
-    <p:sldId id="263" r:id="rId10"/>
+    <p:sldId id="265" r:id="rId7"/>
+    <p:sldId id="260" r:id="rId8"/>
+    <p:sldId id="266" r:id="rId9"/>
+    <p:sldId id="268" r:id="rId10"/>
+    <p:sldId id="261" r:id="rId11"/>
+    <p:sldId id="262" r:id="rId12"/>
+    <p:sldId id="269" r:id="rId13"/>
+    <p:sldId id="263" r:id="rId14"/>
   </p:sldIdLst>
   <p:sldSz cx="12192000" cy="6858000"/>
   <p:notesSz cx="6858000" cy="9144000"/>
@@ -21,7 +25,7 @@
     <a:defPPr>
       <a:defRPr lang="en-US"/>
     </a:defPPr>
-    <a:lvl1pPr marL="0" algn="l" defTabSz="914400" rtl="0" eaLnBrk="1" latinLnBrk="0" hangingPunct="1">
+    <a:lvl1pPr marL="0" algn="l" defTabSz="457200" rtl="0" eaLnBrk="1" latinLnBrk="0" hangingPunct="1">
       <a:defRPr sz="1800" kern="1200">
         <a:solidFill>
           <a:schemeClr val="tx1"/>
@@ -31,7 +35,7 @@
         <a:cs typeface="+mn-cs"/>
       </a:defRPr>
     </a:lvl1pPr>
-    <a:lvl2pPr marL="457200" algn="l" defTabSz="914400" rtl="0" eaLnBrk="1" latinLnBrk="0" hangingPunct="1">
+    <a:lvl2pPr marL="457200" algn="l" defTabSz="457200" rtl="0" eaLnBrk="1" latinLnBrk="0" hangingPunct="1">
       <a:defRPr sz="1800" kern="1200">
         <a:solidFill>
           <a:schemeClr val="tx1"/>
@@ -41,7 +45,7 @@
         <a:cs typeface="+mn-cs"/>
       </a:defRPr>
     </a:lvl2pPr>
-    <a:lvl3pPr marL="914400" algn="l" defTabSz="914400" rtl="0" eaLnBrk="1" latinLnBrk="0" hangingPunct="1">
+    <a:lvl3pPr marL="914400" algn="l" defTabSz="457200" rtl="0" eaLnBrk="1" latinLnBrk="0" hangingPunct="1">
       <a:defRPr sz="1800" kern="1200">
         <a:solidFill>
           <a:schemeClr val="tx1"/>
@@ -51,7 +55,7 @@
         <a:cs typeface="+mn-cs"/>
       </a:defRPr>
     </a:lvl3pPr>
-    <a:lvl4pPr marL="1371600" algn="l" defTabSz="914400" rtl="0" eaLnBrk="1" latinLnBrk="0" hangingPunct="1">
+    <a:lvl4pPr marL="1371600" algn="l" defTabSz="457200" rtl="0" eaLnBrk="1" latinLnBrk="0" hangingPunct="1">
       <a:defRPr sz="1800" kern="1200">
         <a:solidFill>
           <a:schemeClr val="tx1"/>
@@ -61,7 +65,7 @@
         <a:cs typeface="+mn-cs"/>
       </a:defRPr>
     </a:lvl4pPr>
-    <a:lvl5pPr marL="1828800" algn="l" defTabSz="914400" rtl="0" eaLnBrk="1" latinLnBrk="0" hangingPunct="1">
+    <a:lvl5pPr marL="1828800" algn="l" defTabSz="457200" rtl="0" eaLnBrk="1" latinLnBrk="0" hangingPunct="1">
       <a:defRPr sz="1800" kern="1200">
         <a:solidFill>
           <a:schemeClr val="tx1"/>
@@ -71,7 +75,7 @@
         <a:cs typeface="+mn-cs"/>
       </a:defRPr>
     </a:lvl5pPr>
-    <a:lvl6pPr marL="2286000" algn="l" defTabSz="914400" rtl="0" eaLnBrk="1" latinLnBrk="0" hangingPunct="1">
+    <a:lvl6pPr marL="2286000" algn="l" defTabSz="457200" rtl="0" eaLnBrk="1" latinLnBrk="0" hangingPunct="1">
       <a:defRPr sz="1800" kern="1200">
         <a:solidFill>
           <a:schemeClr val="tx1"/>
@@ -81,7 +85,7 @@
         <a:cs typeface="+mn-cs"/>
       </a:defRPr>
     </a:lvl6pPr>
-    <a:lvl7pPr marL="2743200" algn="l" defTabSz="914400" rtl="0" eaLnBrk="1" latinLnBrk="0" hangingPunct="1">
+    <a:lvl7pPr marL="2743200" algn="l" defTabSz="457200" rtl="0" eaLnBrk="1" latinLnBrk="0" hangingPunct="1">
       <a:defRPr sz="1800" kern="1200">
         <a:solidFill>
           <a:schemeClr val="tx1"/>
@@ -91,7 +95,7 @@
         <a:cs typeface="+mn-cs"/>
       </a:defRPr>
     </a:lvl7pPr>
-    <a:lvl8pPr marL="3200400" algn="l" defTabSz="914400" rtl="0" eaLnBrk="1" latinLnBrk="0" hangingPunct="1">
+    <a:lvl8pPr marL="3200400" algn="l" defTabSz="457200" rtl="0" eaLnBrk="1" latinLnBrk="0" hangingPunct="1">
       <a:defRPr sz="1800" kern="1200">
         <a:solidFill>
           <a:schemeClr val="tx1"/>
@@ -101,7 +105,7 @@
         <a:cs typeface="+mn-cs"/>
       </a:defRPr>
     </a:lvl8pPr>
-    <a:lvl9pPr marL="3657600" algn="l" defTabSz="914400" rtl="0" eaLnBrk="1" latinLnBrk="0" hangingPunct="1">
+    <a:lvl9pPr marL="3657600" algn="l" defTabSz="457200" rtl="0" eaLnBrk="1" latinLnBrk="0" hangingPunct="1">
       <a:defRPr sz="1800" kern="1200">
         <a:solidFill>
           <a:schemeClr val="tx1"/>
@@ -112,6 +116,11 @@
       </a:defRPr>
     </a:lvl9pPr>
   </p:defaultTextStyle>
+  <p:extLst>
+    <p:ext uri="{EFAFB233-063F-42B5-8137-9DF3F51BA10A}">
+      <p15:sldGuideLst xmlns:p15="http://schemas.microsoft.com/office/powerpoint/2012/main"/>
+    </p:ext>
+  </p:extLst>
 </p:presentation>
 </file>
 
@@ -134,13 +143,7 @@
       </p:grpSpPr>
       <p:sp>
         <p:nvSpPr>
-          <p:cNvPr id="2" name="Title 1">
-            <a:extLst>
-              <a:ext uri="{FF2B5EF4-FFF2-40B4-BE49-F238E27FC236}">
-                <a16:creationId xmlns:a16="http://schemas.microsoft.com/office/drawing/2014/main" id="{48737F55-45B5-1547-4F35-04622A6E6F5F}"/>
-              </a:ext>
-            </a:extLst>
-          </p:cNvPr>
+          <p:cNvPr id="2" name="Title 1"/>
           <p:cNvSpPr>
             <a:spLocks noGrp="1"/>
           </p:cNvSpPr>
@@ -150,15 +153,17 @@
         </p:nvSpPr>
         <p:spPr>
           <a:xfrm>
-            <a:off x="1524000" y="1122363"/>
-            <a:ext cx="9144000" cy="2387600"/>
+            <a:off x="2417779" y="802298"/>
+            <a:ext cx="8637073" cy="2541431"/>
           </a:xfrm>
         </p:spPr>
         <p:txBody>
-          <a:bodyPr anchor="b"/>
+          <a:bodyPr bIns="0" anchor="b">
+            <a:normAutofit/>
+          </a:bodyPr>
           <a:lstStyle>
-            <a:lvl1pPr algn="ctr">
-              <a:defRPr sz="6000"/>
+            <a:lvl1pPr algn="l">
+              <a:defRPr sz="6600"/>
             </a:lvl1pPr>
           </a:lstStyle>
           <a:p>
@@ -166,18 +171,13 @@
               <a:rPr lang="en-US"/>
               <a:t>Click to edit Master title style</a:t>
             </a:r>
-          </a:p>
-        </p:txBody>
-      </p:sp>
-      <p:sp>
-        <p:nvSpPr>
-          <p:cNvPr id="3" name="Subtitle 2">
-            <a:extLst>
-              <a:ext uri="{FF2B5EF4-FFF2-40B4-BE49-F238E27FC236}">
-                <a16:creationId xmlns:a16="http://schemas.microsoft.com/office/drawing/2014/main" id="{115ECA30-BF2F-08F4-7D2A-E33A83ADF84C}"/>
-              </a:ext>
-            </a:extLst>
-          </p:cNvPr>
+            <a:endParaRPr lang="en-US" dirty="0"/>
+          </a:p>
+        </p:txBody>
+      </p:sp>
+      <p:sp>
+        <p:nvSpPr>
+          <p:cNvPr id="3" name="Subtitle 2"/>
           <p:cNvSpPr>
             <a:spLocks noGrp="1"/>
           </p:cNvSpPr>
@@ -187,20 +187,26 @@
         </p:nvSpPr>
         <p:spPr>
           <a:xfrm>
-            <a:off x="1524000" y="3602038"/>
-            <a:ext cx="9144000" cy="1655762"/>
+            <a:off x="2417780" y="3531204"/>
+            <a:ext cx="8637072" cy="977621"/>
           </a:xfrm>
         </p:spPr>
         <p:txBody>
-          <a:bodyPr/>
+          <a:bodyPr tIns="91440" bIns="91440">
+            <a:normAutofit/>
+          </a:bodyPr>
           <a:lstStyle>
-            <a:lvl1pPr marL="0" indent="0" algn="ctr">
-              <a:buNone/>
-              <a:defRPr sz="2400"/>
+            <a:lvl1pPr marL="0" indent="0" algn="l">
+              <a:buNone/>
+              <a:defRPr sz="1800" b="0" cap="all" baseline="0">
+                <a:solidFill>
+                  <a:schemeClr val="tx1"/>
+                </a:solidFill>
+              </a:defRPr>
             </a:lvl1pPr>
             <a:lvl2pPr marL="457200" indent="0" algn="ctr">
               <a:buNone/>
-              <a:defRPr sz="2000"/>
+              <a:defRPr sz="1800"/>
             </a:lvl2pPr>
             <a:lvl3pPr marL="914400" indent="0" algn="ctr">
               <a:buNone/>
@@ -236,18 +242,13 @@
               <a:rPr lang="en-US"/>
               <a:t>Click to edit Master subtitle style</a:t>
             </a:r>
-          </a:p>
-        </p:txBody>
-      </p:sp>
-      <p:sp>
-        <p:nvSpPr>
-          <p:cNvPr id="4" name="Date Placeholder 3">
-            <a:extLst>
-              <a:ext uri="{FF2B5EF4-FFF2-40B4-BE49-F238E27FC236}">
-                <a16:creationId xmlns:a16="http://schemas.microsoft.com/office/drawing/2014/main" id="{CEAE7752-AFC4-1376-185C-CE2FE41387D4}"/>
-              </a:ext>
-            </a:extLst>
-          </p:cNvPr>
+            <a:endParaRPr lang="en-US" dirty="0"/>
+          </a:p>
+        </p:txBody>
+      </p:sp>
+      <p:sp>
+        <p:nvSpPr>
+          <p:cNvPr id="4" name="Date Placeholder 3"/>
           <p:cNvSpPr>
             <a:spLocks noGrp="1"/>
           </p:cNvSpPr>
@@ -262,7 +263,7 @@
           <a:p>
             <a:fld id="{FC0DE6DF-3DC7-4EE7-B084-08B91895BF9D}" type="datetimeFigureOut">
               <a:rPr lang="en-US" smtClean="0"/>
-              <a:t>4/15/2023</a:t>
+              <a:t>4/30/2023</a:t>
             </a:fld>
             <a:endParaRPr lang="en-US"/>
           </a:p>
@@ -270,13 +271,7 @@
       </p:sp>
       <p:sp>
         <p:nvSpPr>
-          <p:cNvPr id="5" name="Footer Placeholder 4">
-            <a:extLst>
-              <a:ext uri="{FF2B5EF4-FFF2-40B4-BE49-F238E27FC236}">
-                <a16:creationId xmlns:a16="http://schemas.microsoft.com/office/drawing/2014/main" id="{6455A9A1-5817-37FF-A6FA-32BDC08A3348}"/>
-              </a:ext>
-            </a:extLst>
-          </p:cNvPr>
+          <p:cNvPr id="5" name="Footer Placeholder 4"/>
           <p:cNvSpPr>
             <a:spLocks noGrp="1"/>
           </p:cNvSpPr>
@@ -284,7 +279,12 @@
             <p:ph type="ftr" sz="quarter" idx="11"/>
           </p:nvPr>
         </p:nvSpPr>
-        <p:spPr/>
+        <p:spPr>
+          <a:xfrm>
+            <a:off x="2416500" y="329307"/>
+            <a:ext cx="4973915" cy="309201"/>
+          </a:xfrm>
+        </p:spPr>
         <p:txBody>
           <a:bodyPr/>
           <a:lstStyle/>
@@ -295,13 +295,7 @@
       </p:sp>
       <p:sp>
         <p:nvSpPr>
-          <p:cNvPr id="6" name="Slide Number Placeholder 5">
-            <a:extLst>
-              <a:ext uri="{FF2B5EF4-FFF2-40B4-BE49-F238E27FC236}">
-                <a16:creationId xmlns:a16="http://schemas.microsoft.com/office/drawing/2014/main" id="{C45D38ED-C8DC-4A1B-0925-372FC08498B7}"/>
-              </a:ext>
-            </a:extLst>
-          </p:cNvPr>
+          <p:cNvPr id="6" name="Slide Number Placeholder 5"/>
           <p:cNvSpPr>
             <a:spLocks noGrp="1"/>
           </p:cNvSpPr>
@@ -309,7 +303,12 @@
             <p:ph type="sldNum" sz="quarter" idx="12"/>
           </p:nvPr>
         </p:nvSpPr>
-        <p:spPr/>
+        <p:spPr>
+          <a:xfrm>
+            <a:off x="1437664" y="798973"/>
+            <a:ext cx="811019" cy="503578"/>
+          </a:xfrm>
+        </p:spPr>
         <p:txBody>
           <a:bodyPr/>
           <a:lstStyle/>
@@ -322,10 +321,41 @@
           </a:p>
         </p:txBody>
       </p:sp>
+      <p:cxnSp>
+        <p:nvCxnSpPr>
+          <p:cNvPr id="15" name="Straight Connector 14"/>
+          <p:cNvCxnSpPr/>
+          <p:nvPr/>
+        </p:nvCxnSpPr>
+        <p:spPr>
+          <a:xfrm>
+            <a:off x="2417780" y="3528542"/>
+            <a:ext cx="8637072" cy="0"/>
+          </a:xfrm>
+          <a:prstGeom prst="line">
+            <a:avLst/>
+          </a:prstGeom>
+          <a:ln w="31750"/>
+        </p:spPr>
+        <p:style>
+          <a:lnRef idx="3">
+            <a:schemeClr val="accent1"/>
+          </a:lnRef>
+          <a:fillRef idx="0">
+            <a:schemeClr val="accent1"/>
+          </a:fillRef>
+          <a:effectRef idx="2">
+            <a:schemeClr val="accent1"/>
+          </a:effectRef>
+          <a:fontRef idx="minor">
+            <a:schemeClr val="tx1"/>
+          </a:fontRef>
+        </p:style>
+      </p:cxnSp>
     </p:spTree>
     <p:extLst>
       <p:ext uri="{BB962C8B-B14F-4D97-AF65-F5344CB8AC3E}">
-        <p14:creationId xmlns:p14="http://schemas.microsoft.com/office/powerpoint/2010/main" val="1063962643"/>
+        <p14:creationId xmlns:p14="http://schemas.microsoft.com/office/powerpoint/2010/main" val="695251378"/>
       </p:ext>
     </p:extLst>
   </p:cSld>
@@ -354,13 +384,7 @@
       </p:grpSpPr>
       <p:sp>
         <p:nvSpPr>
-          <p:cNvPr id="2" name="Title 1">
-            <a:extLst>
-              <a:ext uri="{FF2B5EF4-FFF2-40B4-BE49-F238E27FC236}">
-                <a16:creationId xmlns:a16="http://schemas.microsoft.com/office/drawing/2014/main" id="{BD0201DD-2FD7-A6FD-6989-EA9D64854FFB}"/>
-              </a:ext>
-            </a:extLst>
-          </p:cNvPr>
+          <p:cNvPr id="2" name="Title 1"/>
           <p:cNvSpPr>
             <a:spLocks noGrp="1"/>
           </p:cNvSpPr>
@@ -377,18 +401,13 @@
               <a:rPr lang="en-US"/>
               <a:t>Click to edit Master title style</a:t>
             </a:r>
-          </a:p>
-        </p:txBody>
-      </p:sp>
-      <p:sp>
-        <p:nvSpPr>
-          <p:cNvPr id="3" name="Vertical Text Placeholder 2">
-            <a:extLst>
-              <a:ext uri="{FF2B5EF4-FFF2-40B4-BE49-F238E27FC236}">
-                <a16:creationId xmlns:a16="http://schemas.microsoft.com/office/drawing/2014/main" id="{BA596686-74EB-A5C5-A49A-DB219DFF7D5D}"/>
-              </a:ext>
-            </a:extLst>
-          </p:cNvPr>
+            <a:endParaRPr lang="en-US" dirty="0"/>
+          </a:p>
+        </p:txBody>
+      </p:sp>
+      <p:sp>
+        <p:nvSpPr>
+          <p:cNvPr id="3" name="Vertical Text Placeholder 2"/>
           <p:cNvSpPr>
             <a:spLocks noGrp="1"/>
           </p:cNvSpPr>
@@ -404,7 +423,7 @@
             <a:pPr lvl="0"/>
             <a:r>
               <a:rPr lang="en-US"/>
-              <a:t>Click to edit Master text styles</a:t>
+              <a:t>Edit Master text styles</a:t>
             </a:r>
           </a:p>
           <a:p>
@@ -434,18 +453,13 @@
               <a:rPr lang="en-US"/>
               <a:t>Fifth level</a:t>
             </a:r>
-          </a:p>
-        </p:txBody>
-      </p:sp>
-      <p:sp>
-        <p:nvSpPr>
-          <p:cNvPr id="4" name="Date Placeholder 3">
-            <a:extLst>
-              <a:ext uri="{FF2B5EF4-FFF2-40B4-BE49-F238E27FC236}">
-                <a16:creationId xmlns:a16="http://schemas.microsoft.com/office/drawing/2014/main" id="{C31DB110-F8D4-F7F8-B37F-0E6EC3C6CCD6}"/>
-              </a:ext>
-            </a:extLst>
-          </p:cNvPr>
+            <a:endParaRPr lang="en-US" dirty="0"/>
+          </a:p>
+        </p:txBody>
+      </p:sp>
+      <p:sp>
+        <p:nvSpPr>
+          <p:cNvPr id="4" name="Date Placeholder 3"/>
           <p:cNvSpPr>
             <a:spLocks noGrp="1"/>
           </p:cNvSpPr>
@@ -460,7 +474,7 @@
           <a:p>
             <a:fld id="{FC0DE6DF-3DC7-4EE7-B084-08B91895BF9D}" type="datetimeFigureOut">
               <a:rPr lang="en-US" smtClean="0"/>
-              <a:t>4/15/2023</a:t>
+              <a:t>4/30/2023</a:t>
             </a:fld>
             <a:endParaRPr lang="en-US"/>
           </a:p>
@@ -468,13 +482,7 @@
       </p:sp>
       <p:sp>
         <p:nvSpPr>
-          <p:cNvPr id="5" name="Footer Placeholder 4">
-            <a:extLst>
-              <a:ext uri="{FF2B5EF4-FFF2-40B4-BE49-F238E27FC236}">
-                <a16:creationId xmlns:a16="http://schemas.microsoft.com/office/drawing/2014/main" id="{1393842B-90D4-E6A5-05DC-7A5187DA389E}"/>
-              </a:ext>
-            </a:extLst>
-          </p:cNvPr>
+          <p:cNvPr id="5" name="Footer Placeholder 4"/>
           <p:cNvSpPr>
             <a:spLocks noGrp="1"/>
           </p:cNvSpPr>
@@ -493,13 +501,7 @@
       </p:sp>
       <p:sp>
         <p:nvSpPr>
-          <p:cNvPr id="6" name="Slide Number Placeholder 5">
-            <a:extLst>
-              <a:ext uri="{FF2B5EF4-FFF2-40B4-BE49-F238E27FC236}">
-                <a16:creationId xmlns:a16="http://schemas.microsoft.com/office/drawing/2014/main" id="{129BA1CF-2015-4830-B70B-4E0F1EE22055}"/>
-              </a:ext>
-            </a:extLst>
-          </p:cNvPr>
+          <p:cNvPr id="6" name="Slide Number Placeholder 5"/>
           <p:cNvSpPr>
             <a:spLocks noGrp="1"/>
           </p:cNvSpPr>
@@ -520,10 +522,41 @@
           </a:p>
         </p:txBody>
       </p:sp>
+      <p:cxnSp>
+        <p:nvCxnSpPr>
+          <p:cNvPr id="26" name="Straight Connector 25"/>
+          <p:cNvCxnSpPr/>
+          <p:nvPr/>
+        </p:nvCxnSpPr>
+        <p:spPr>
+          <a:xfrm>
+            <a:off x="1453896" y="1847088"/>
+            <a:ext cx="9607522" cy="0"/>
+          </a:xfrm>
+          <a:prstGeom prst="line">
+            <a:avLst/>
+          </a:prstGeom>
+          <a:ln w="31750"/>
+        </p:spPr>
+        <p:style>
+          <a:lnRef idx="3">
+            <a:schemeClr val="accent1"/>
+          </a:lnRef>
+          <a:fillRef idx="0">
+            <a:schemeClr val="accent1"/>
+          </a:fillRef>
+          <a:effectRef idx="2">
+            <a:schemeClr val="accent1"/>
+          </a:effectRef>
+          <a:fontRef idx="minor">
+            <a:schemeClr val="tx1"/>
+          </a:fontRef>
+        </p:style>
+      </p:cxnSp>
     </p:spTree>
     <p:extLst>
       <p:ext uri="{BB962C8B-B14F-4D97-AF65-F5344CB8AC3E}">
-        <p14:creationId xmlns:p14="http://schemas.microsoft.com/office/powerpoint/2010/main" val="4242613363"/>
+        <p14:creationId xmlns:p14="http://schemas.microsoft.com/office/powerpoint/2010/main" val="3854355447"/>
       </p:ext>
     </p:extLst>
   </p:cSld>
@@ -552,13 +585,7 @@
       </p:grpSpPr>
       <p:sp>
         <p:nvSpPr>
-          <p:cNvPr id="2" name="Vertical Title 1">
-            <a:extLst>
-              <a:ext uri="{FF2B5EF4-FFF2-40B4-BE49-F238E27FC236}">
-                <a16:creationId xmlns:a16="http://schemas.microsoft.com/office/drawing/2014/main" id="{CA63D3BE-8226-8B54-D91F-29B4862D621C}"/>
-              </a:ext>
-            </a:extLst>
-          </p:cNvPr>
+          <p:cNvPr id="2" name="Vertical Title 1"/>
           <p:cNvSpPr>
             <a:spLocks noGrp="1"/>
           </p:cNvSpPr>
@@ -568,30 +595,29 @@
         </p:nvSpPr>
         <p:spPr>
           <a:xfrm>
-            <a:off x="8724900" y="365125"/>
-            <a:ext cx="2628900" cy="5811838"/>
+            <a:off x="9439111" y="798973"/>
+            <a:ext cx="1615742" cy="4659889"/>
           </a:xfrm>
         </p:spPr>
         <p:txBody>
           <a:bodyPr vert="eaVert"/>
-          <a:lstStyle/>
+          <a:lstStyle>
+            <a:lvl1pPr algn="l">
+              <a:defRPr/>
+            </a:lvl1pPr>
+          </a:lstStyle>
           <a:p>
             <a:r>
               <a:rPr lang="en-US"/>
               <a:t>Click to edit Master title style</a:t>
             </a:r>
-          </a:p>
-        </p:txBody>
-      </p:sp>
-      <p:sp>
-        <p:nvSpPr>
-          <p:cNvPr id="3" name="Vertical Text Placeholder 2">
-            <a:extLst>
-              <a:ext uri="{FF2B5EF4-FFF2-40B4-BE49-F238E27FC236}">
-                <a16:creationId xmlns:a16="http://schemas.microsoft.com/office/drawing/2014/main" id="{7FAE51A1-35F0-6EC8-714A-7BE820D98324}"/>
-              </a:ext>
-            </a:extLst>
-          </p:cNvPr>
+            <a:endParaRPr lang="en-US" dirty="0"/>
+          </a:p>
+        </p:txBody>
+      </p:sp>
+      <p:sp>
+        <p:nvSpPr>
+          <p:cNvPr id="3" name="Vertical Text Placeholder 2"/>
           <p:cNvSpPr>
             <a:spLocks noGrp="1"/>
           </p:cNvSpPr>
@@ -601,8 +627,8 @@
         </p:nvSpPr>
         <p:spPr>
           <a:xfrm>
-            <a:off x="838200" y="365125"/>
-            <a:ext cx="7734300" cy="5811838"/>
+            <a:off x="1444672" y="798973"/>
+            <a:ext cx="7828830" cy="4659889"/>
           </a:xfrm>
         </p:spPr>
         <p:txBody>
@@ -612,7 +638,7 @@
             <a:pPr lvl="0"/>
             <a:r>
               <a:rPr lang="en-US"/>
-              <a:t>Click to edit Master text styles</a:t>
+              <a:t>Edit Master text styles</a:t>
             </a:r>
           </a:p>
           <a:p>
@@ -642,18 +668,13 @@
               <a:rPr lang="en-US"/>
               <a:t>Fifth level</a:t>
             </a:r>
-          </a:p>
-        </p:txBody>
-      </p:sp>
-      <p:sp>
-        <p:nvSpPr>
-          <p:cNvPr id="4" name="Date Placeholder 3">
-            <a:extLst>
-              <a:ext uri="{FF2B5EF4-FFF2-40B4-BE49-F238E27FC236}">
-                <a16:creationId xmlns:a16="http://schemas.microsoft.com/office/drawing/2014/main" id="{FD766C8B-F019-4272-1D41-AC3D3701870D}"/>
-              </a:ext>
-            </a:extLst>
-          </p:cNvPr>
+            <a:endParaRPr lang="en-US" dirty="0"/>
+          </a:p>
+        </p:txBody>
+      </p:sp>
+      <p:sp>
+        <p:nvSpPr>
+          <p:cNvPr id="4" name="Date Placeholder 3"/>
           <p:cNvSpPr>
             <a:spLocks noGrp="1"/>
           </p:cNvSpPr>
@@ -668,7 +689,7 @@
           <a:p>
             <a:fld id="{FC0DE6DF-3DC7-4EE7-B084-08B91895BF9D}" type="datetimeFigureOut">
               <a:rPr lang="en-US" smtClean="0"/>
-              <a:t>4/15/2023</a:t>
+              <a:t>4/30/2023</a:t>
             </a:fld>
             <a:endParaRPr lang="en-US"/>
           </a:p>
@@ -676,13 +697,7 @@
       </p:sp>
       <p:sp>
         <p:nvSpPr>
-          <p:cNvPr id="5" name="Footer Placeholder 4">
-            <a:extLst>
-              <a:ext uri="{FF2B5EF4-FFF2-40B4-BE49-F238E27FC236}">
-                <a16:creationId xmlns:a16="http://schemas.microsoft.com/office/drawing/2014/main" id="{DACEBACB-AF58-5088-4AB2-DD5096852A4E}"/>
-              </a:ext>
-            </a:extLst>
-          </p:cNvPr>
+          <p:cNvPr id="5" name="Footer Placeholder 4"/>
           <p:cNvSpPr>
             <a:spLocks noGrp="1"/>
           </p:cNvSpPr>
@@ -701,13 +716,7 @@
       </p:sp>
       <p:sp>
         <p:nvSpPr>
-          <p:cNvPr id="6" name="Slide Number Placeholder 5">
-            <a:extLst>
-              <a:ext uri="{FF2B5EF4-FFF2-40B4-BE49-F238E27FC236}">
-                <a16:creationId xmlns:a16="http://schemas.microsoft.com/office/drawing/2014/main" id="{B91C7794-787C-6BB1-3D8A-702FA502165A}"/>
-              </a:ext>
-            </a:extLst>
-          </p:cNvPr>
+          <p:cNvPr id="6" name="Slide Number Placeholder 5"/>
           <p:cNvSpPr>
             <a:spLocks noGrp="1"/>
           </p:cNvSpPr>
@@ -728,10 +737,41 @@
           </a:p>
         </p:txBody>
       </p:sp>
+      <p:cxnSp>
+        <p:nvCxnSpPr>
+          <p:cNvPr id="15" name="Straight Connector 14"/>
+          <p:cNvCxnSpPr/>
+          <p:nvPr/>
+        </p:nvCxnSpPr>
+        <p:spPr>
+          <a:xfrm>
+            <a:off x="9439111" y="798973"/>
+            <a:ext cx="0" cy="4659889"/>
+          </a:xfrm>
+          <a:prstGeom prst="line">
+            <a:avLst/>
+          </a:prstGeom>
+          <a:ln w="31750"/>
+        </p:spPr>
+        <p:style>
+          <a:lnRef idx="3">
+            <a:schemeClr val="accent1"/>
+          </a:lnRef>
+          <a:fillRef idx="0">
+            <a:schemeClr val="accent1"/>
+          </a:fillRef>
+          <a:effectRef idx="2">
+            <a:schemeClr val="accent1"/>
+          </a:effectRef>
+          <a:fontRef idx="minor">
+            <a:schemeClr val="tx1"/>
+          </a:fontRef>
+        </p:style>
+      </p:cxnSp>
     </p:spTree>
     <p:extLst>
       <p:ext uri="{BB962C8B-B14F-4D97-AF65-F5344CB8AC3E}">
-        <p14:creationId xmlns:p14="http://schemas.microsoft.com/office/powerpoint/2010/main" val="1505398471"/>
+        <p14:creationId xmlns:p14="http://schemas.microsoft.com/office/powerpoint/2010/main" val="855009434"/>
       </p:ext>
     </p:extLst>
   </p:cSld>
@@ -760,13 +800,7 @@
       </p:grpSpPr>
       <p:sp>
         <p:nvSpPr>
-          <p:cNvPr id="2" name="Title 1">
-            <a:extLst>
-              <a:ext uri="{FF2B5EF4-FFF2-40B4-BE49-F238E27FC236}">
-                <a16:creationId xmlns:a16="http://schemas.microsoft.com/office/drawing/2014/main" id="{33DC7B53-5C24-24A1-E7A9-2C42C5DF59E5}"/>
-              </a:ext>
-            </a:extLst>
-          </p:cNvPr>
+          <p:cNvPr id="2" name="Title 1"/>
           <p:cNvSpPr>
             <a:spLocks noGrp="1"/>
           </p:cNvSpPr>
@@ -783,18 +817,13 @@
               <a:rPr lang="en-US"/>
               <a:t>Click to edit Master title style</a:t>
             </a:r>
-          </a:p>
-        </p:txBody>
-      </p:sp>
-      <p:sp>
-        <p:nvSpPr>
-          <p:cNvPr id="3" name="Content Placeholder 2">
-            <a:extLst>
-              <a:ext uri="{FF2B5EF4-FFF2-40B4-BE49-F238E27FC236}">
-                <a16:creationId xmlns:a16="http://schemas.microsoft.com/office/drawing/2014/main" id="{37E7269C-15A9-3CDA-E59E-6EF428250CA5}"/>
-              </a:ext>
-            </a:extLst>
-          </p:cNvPr>
+            <a:endParaRPr lang="en-US" dirty="0"/>
+          </a:p>
+        </p:txBody>
+      </p:sp>
+      <p:sp>
+        <p:nvSpPr>
+          <p:cNvPr id="3" name="Content Placeholder 2"/>
           <p:cNvSpPr>
             <a:spLocks noGrp="1"/>
           </p:cNvSpPr>
@@ -804,13 +833,13 @@
         </p:nvSpPr>
         <p:spPr/>
         <p:txBody>
-          <a:bodyPr/>
+          <a:bodyPr anchor="t"/>
           <a:lstStyle/>
           <a:p>
             <a:pPr lvl="0"/>
             <a:r>
               <a:rPr lang="en-US"/>
-              <a:t>Click to edit Master text styles</a:t>
+              <a:t>Edit Master text styles</a:t>
             </a:r>
           </a:p>
           <a:p>
@@ -840,18 +869,13 @@
               <a:rPr lang="en-US"/>
               <a:t>Fifth level</a:t>
             </a:r>
-          </a:p>
-        </p:txBody>
-      </p:sp>
-      <p:sp>
-        <p:nvSpPr>
-          <p:cNvPr id="4" name="Date Placeholder 3">
-            <a:extLst>
-              <a:ext uri="{FF2B5EF4-FFF2-40B4-BE49-F238E27FC236}">
-                <a16:creationId xmlns:a16="http://schemas.microsoft.com/office/drawing/2014/main" id="{D6B39C46-67A4-DAB1-5E43-BA53EDDABCA6}"/>
-              </a:ext>
-            </a:extLst>
-          </p:cNvPr>
+            <a:endParaRPr lang="en-US" dirty="0"/>
+          </a:p>
+        </p:txBody>
+      </p:sp>
+      <p:sp>
+        <p:nvSpPr>
+          <p:cNvPr id="4" name="Date Placeholder 3"/>
           <p:cNvSpPr>
             <a:spLocks noGrp="1"/>
           </p:cNvSpPr>
@@ -866,7 +890,7 @@
           <a:p>
             <a:fld id="{FC0DE6DF-3DC7-4EE7-B084-08B91895BF9D}" type="datetimeFigureOut">
               <a:rPr lang="en-US" smtClean="0"/>
-              <a:t>4/15/2023</a:t>
+              <a:t>4/30/2023</a:t>
             </a:fld>
             <a:endParaRPr lang="en-US"/>
           </a:p>
@@ -874,13 +898,7 @@
       </p:sp>
       <p:sp>
         <p:nvSpPr>
-          <p:cNvPr id="5" name="Footer Placeholder 4">
-            <a:extLst>
-              <a:ext uri="{FF2B5EF4-FFF2-40B4-BE49-F238E27FC236}">
-                <a16:creationId xmlns:a16="http://schemas.microsoft.com/office/drawing/2014/main" id="{8FE86961-8958-5486-2A02-6837B1FA8D48}"/>
-              </a:ext>
-            </a:extLst>
-          </p:cNvPr>
+          <p:cNvPr id="5" name="Footer Placeholder 4"/>
           <p:cNvSpPr>
             <a:spLocks noGrp="1"/>
           </p:cNvSpPr>
@@ -899,13 +917,7 @@
       </p:sp>
       <p:sp>
         <p:nvSpPr>
-          <p:cNvPr id="6" name="Slide Number Placeholder 5">
-            <a:extLst>
-              <a:ext uri="{FF2B5EF4-FFF2-40B4-BE49-F238E27FC236}">
-                <a16:creationId xmlns:a16="http://schemas.microsoft.com/office/drawing/2014/main" id="{62CA8471-932C-3E0F-D19A-A9A6EE893EC1}"/>
-              </a:ext>
-            </a:extLst>
-          </p:cNvPr>
+          <p:cNvPr id="6" name="Slide Number Placeholder 5"/>
           <p:cNvSpPr>
             <a:spLocks noGrp="1"/>
           </p:cNvSpPr>
@@ -926,10 +938,41 @@
           </a:p>
         </p:txBody>
       </p:sp>
+      <p:cxnSp>
+        <p:nvCxnSpPr>
+          <p:cNvPr id="33" name="Straight Connector 32"/>
+          <p:cNvCxnSpPr/>
+          <p:nvPr/>
+        </p:nvCxnSpPr>
+        <p:spPr>
+          <a:xfrm>
+            <a:off x="1453896" y="1847088"/>
+            <a:ext cx="9607522" cy="0"/>
+          </a:xfrm>
+          <a:prstGeom prst="line">
+            <a:avLst/>
+          </a:prstGeom>
+          <a:ln w="31750"/>
+        </p:spPr>
+        <p:style>
+          <a:lnRef idx="3">
+            <a:schemeClr val="accent1"/>
+          </a:lnRef>
+          <a:fillRef idx="0">
+            <a:schemeClr val="accent1"/>
+          </a:fillRef>
+          <a:effectRef idx="2">
+            <a:schemeClr val="accent1"/>
+          </a:effectRef>
+          <a:fontRef idx="minor">
+            <a:schemeClr val="tx1"/>
+          </a:fontRef>
+        </p:style>
+      </p:cxnSp>
     </p:spTree>
     <p:extLst>
       <p:ext uri="{BB962C8B-B14F-4D97-AF65-F5344CB8AC3E}">
-        <p14:creationId xmlns:p14="http://schemas.microsoft.com/office/powerpoint/2010/main" val="4165079451"/>
+        <p14:creationId xmlns:p14="http://schemas.microsoft.com/office/powerpoint/2010/main" val="132975281"/>
       </p:ext>
     </p:extLst>
   </p:cSld>
@@ -958,13 +1001,7 @@
       </p:grpSpPr>
       <p:sp>
         <p:nvSpPr>
-          <p:cNvPr id="2" name="Title 1">
-            <a:extLst>
-              <a:ext uri="{FF2B5EF4-FFF2-40B4-BE49-F238E27FC236}">
-                <a16:creationId xmlns:a16="http://schemas.microsoft.com/office/drawing/2014/main" id="{88E18560-155E-2D81-637F-D7423284FCBC}"/>
-              </a:ext>
-            </a:extLst>
-          </p:cNvPr>
+          <p:cNvPr id="2" name="Title 1"/>
           <p:cNvSpPr>
             <a:spLocks noGrp="1"/>
           </p:cNvSpPr>
@@ -974,15 +1011,17 @@
         </p:nvSpPr>
         <p:spPr>
           <a:xfrm>
-            <a:off x="831850" y="1709738"/>
-            <a:ext cx="10515600" cy="2852737"/>
+            <a:off x="1454239" y="1756130"/>
+            <a:ext cx="8643154" cy="1887950"/>
           </a:xfrm>
         </p:spPr>
         <p:txBody>
-          <a:bodyPr anchor="b"/>
+          <a:bodyPr anchor="b">
+            <a:normAutofit/>
+          </a:bodyPr>
           <a:lstStyle>
-            <a:lvl1pPr>
-              <a:defRPr sz="6000"/>
+            <a:lvl1pPr algn="l">
+              <a:defRPr sz="3600"/>
             </a:lvl1pPr>
           </a:lstStyle>
           <a:p>
@@ -990,18 +1029,13 @@
               <a:rPr lang="en-US"/>
               <a:t>Click to edit Master title style</a:t>
             </a:r>
-          </a:p>
-        </p:txBody>
-      </p:sp>
-      <p:sp>
-        <p:nvSpPr>
-          <p:cNvPr id="3" name="Text Placeholder 2">
-            <a:extLst>
-              <a:ext uri="{FF2B5EF4-FFF2-40B4-BE49-F238E27FC236}">
-                <a16:creationId xmlns:a16="http://schemas.microsoft.com/office/drawing/2014/main" id="{A694C5F6-11A4-5E90-48E6-810226933ECF}"/>
-              </a:ext>
-            </a:extLst>
-          </p:cNvPr>
+            <a:endParaRPr lang="en-US" dirty="0"/>
+          </a:p>
+        </p:txBody>
+      </p:sp>
+      <p:sp>
+        <p:nvSpPr>
+          <p:cNvPr id="3" name="Text Placeholder 2"/>
           <p:cNvSpPr>
             <a:spLocks noGrp="1"/>
           </p:cNvSpPr>
@@ -1011,26 +1045,26 @@
         </p:nvSpPr>
         <p:spPr>
           <a:xfrm>
-            <a:off x="831850" y="4589463"/>
-            <a:ext cx="10515600" cy="1500187"/>
+            <a:off x="1454239" y="3806195"/>
+            <a:ext cx="8630446" cy="1012929"/>
           </a:xfrm>
         </p:spPr>
         <p:txBody>
-          <a:bodyPr/>
+          <a:bodyPr tIns="91440">
+            <a:normAutofit/>
+          </a:bodyPr>
           <a:lstStyle>
-            <a:lvl1pPr marL="0" indent="0">
-              <a:buNone/>
-              <a:defRPr sz="2400">
+            <a:lvl1pPr marL="0" indent="0" algn="l">
+              <a:buNone/>
+              <a:defRPr sz="1800">
                 <a:solidFill>
-                  <a:schemeClr val="tx1">
-                    <a:tint val="75000"/>
-                  </a:schemeClr>
+                  <a:schemeClr val="tx1"/>
                 </a:solidFill>
               </a:defRPr>
             </a:lvl1pPr>
             <a:lvl2pPr marL="457200" indent="0">
               <a:buNone/>
-              <a:defRPr sz="2000">
+              <a:defRPr sz="1800">
                 <a:solidFill>
                   <a:schemeClr val="tx1">
                     <a:tint val="75000"/>
@@ -1113,20 +1147,14 @@
             <a:pPr lvl="0"/>
             <a:r>
               <a:rPr lang="en-US"/>
-              <a:t>Click to edit Master text styles</a:t>
-            </a:r>
-          </a:p>
-        </p:txBody>
-      </p:sp>
-      <p:sp>
-        <p:nvSpPr>
-          <p:cNvPr id="4" name="Date Placeholder 3">
-            <a:extLst>
-              <a:ext uri="{FF2B5EF4-FFF2-40B4-BE49-F238E27FC236}">
-                <a16:creationId xmlns:a16="http://schemas.microsoft.com/office/drawing/2014/main" id="{AA6B69BD-AE74-40C0-4BCE-35847487778D}"/>
-              </a:ext>
-            </a:extLst>
-          </p:cNvPr>
+              <a:t>Edit Master text styles</a:t>
+            </a:r>
+          </a:p>
+        </p:txBody>
+      </p:sp>
+      <p:sp>
+        <p:nvSpPr>
+          <p:cNvPr id="4" name="Date Placeholder 3"/>
           <p:cNvSpPr>
             <a:spLocks noGrp="1"/>
           </p:cNvSpPr>
@@ -1141,7 +1169,7 @@
           <a:p>
             <a:fld id="{FC0DE6DF-3DC7-4EE7-B084-08B91895BF9D}" type="datetimeFigureOut">
               <a:rPr lang="en-US" smtClean="0"/>
-              <a:t>4/15/2023</a:t>
+              <a:t>4/30/2023</a:t>
             </a:fld>
             <a:endParaRPr lang="en-US"/>
           </a:p>
@@ -1149,13 +1177,7 @@
       </p:sp>
       <p:sp>
         <p:nvSpPr>
-          <p:cNvPr id="5" name="Footer Placeholder 4">
-            <a:extLst>
-              <a:ext uri="{FF2B5EF4-FFF2-40B4-BE49-F238E27FC236}">
-                <a16:creationId xmlns:a16="http://schemas.microsoft.com/office/drawing/2014/main" id="{439AB421-0A4A-93A7-68CE-A734E2DC636E}"/>
-              </a:ext>
-            </a:extLst>
-          </p:cNvPr>
+          <p:cNvPr id="5" name="Footer Placeholder 4"/>
           <p:cNvSpPr>
             <a:spLocks noGrp="1"/>
           </p:cNvSpPr>
@@ -1174,13 +1196,7 @@
       </p:sp>
       <p:sp>
         <p:nvSpPr>
-          <p:cNvPr id="6" name="Slide Number Placeholder 5">
-            <a:extLst>
-              <a:ext uri="{FF2B5EF4-FFF2-40B4-BE49-F238E27FC236}">
-                <a16:creationId xmlns:a16="http://schemas.microsoft.com/office/drawing/2014/main" id="{BE4EB6EF-2D7F-E6D1-E992-317B817B68CA}"/>
-              </a:ext>
-            </a:extLst>
-          </p:cNvPr>
+          <p:cNvPr id="6" name="Slide Number Placeholder 5"/>
           <p:cNvSpPr>
             <a:spLocks noGrp="1"/>
           </p:cNvSpPr>
@@ -1201,10 +1217,41 @@
           </a:p>
         </p:txBody>
       </p:sp>
+      <p:cxnSp>
+        <p:nvCxnSpPr>
+          <p:cNvPr id="15" name="Straight Connector 14"/>
+          <p:cNvCxnSpPr/>
+          <p:nvPr/>
+        </p:nvCxnSpPr>
+        <p:spPr>
+          <a:xfrm>
+            <a:off x="1454239" y="3804985"/>
+            <a:ext cx="8630446" cy="0"/>
+          </a:xfrm>
+          <a:prstGeom prst="line">
+            <a:avLst/>
+          </a:prstGeom>
+          <a:ln w="31750"/>
+        </p:spPr>
+        <p:style>
+          <a:lnRef idx="3">
+            <a:schemeClr val="accent1"/>
+          </a:lnRef>
+          <a:fillRef idx="0">
+            <a:schemeClr val="accent1"/>
+          </a:fillRef>
+          <a:effectRef idx="2">
+            <a:schemeClr val="accent1"/>
+          </a:effectRef>
+          <a:fontRef idx="minor">
+            <a:schemeClr val="tx1"/>
+          </a:fontRef>
+        </p:style>
+      </p:cxnSp>
     </p:spTree>
     <p:extLst>
       <p:ext uri="{BB962C8B-B14F-4D97-AF65-F5344CB8AC3E}">
-        <p14:creationId xmlns:p14="http://schemas.microsoft.com/office/powerpoint/2010/main" val="528418462"/>
+        <p14:creationId xmlns:p14="http://schemas.microsoft.com/office/powerpoint/2010/main" val="2004311531"/>
       </p:ext>
     </p:extLst>
   </p:cSld>
@@ -1233,114 +1280,46 @@
       </p:grpSpPr>
       <p:sp>
         <p:nvSpPr>
-          <p:cNvPr id="2" name="Title 1">
-            <a:extLst>
-              <a:ext uri="{FF2B5EF4-FFF2-40B4-BE49-F238E27FC236}">
-                <a16:creationId xmlns:a16="http://schemas.microsoft.com/office/drawing/2014/main" id="{D9126758-C5C3-6020-308B-DBD43C6B728C}"/>
-              </a:ext>
-            </a:extLst>
-          </p:cNvPr>
+          <p:cNvPr id="2" name="Title 1"/>
           <p:cNvSpPr>
             <a:spLocks noGrp="1"/>
           </p:cNvSpPr>
           <p:nvPr>
             <p:ph type="title"/>
-          </p:nvPr>
-        </p:nvSpPr>
-        <p:spPr/>
-        <p:txBody>
-          <a:bodyPr/>
-          <a:lstStyle/>
-          <a:p>
-            <a:r>
-              <a:rPr lang="en-US"/>
-              <a:t>Click to edit Master title style</a:t>
-            </a:r>
-          </a:p>
-        </p:txBody>
-      </p:sp>
-      <p:sp>
-        <p:nvSpPr>
-          <p:cNvPr id="3" name="Content Placeholder 2">
-            <a:extLst>
-              <a:ext uri="{FF2B5EF4-FFF2-40B4-BE49-F238E27FC236}">
-                <a16:creationId xmlns:a16="http://schemas.microsoft.com/office/drawing/2014/main" id="{A4AEEFDE-51E4-50F7-C6E9-83128EC6032F}"/>
-              </a:ext>
-            </a:extLst>
-          </p:cNvPr>
-          <p:cNvSpPr>
-            <a:spLocks noGrp="1"/>
-          </p:cNvSpPr>
-          <p:nvPr>
-            <p:ph sz="half" idx="1"/>
           </p:nvPr>
         </p:nvSpPr>
         <p:spPr>
           <a:xfrm>
-            <a:off x="838200" y="1825625"/>
-            <a:ext cx="5181600" cy="4351338"/>
+            <a:off x="1449217" y="804889"/>
+            <a:ext cx="9605635" cy="1059305"/>
           </a:xfrm>
         </p:spPr>
         <p:txBody>
           <a:bodyPr/>
           <a:lstStyle/>
           <a:p>
-            <a:pPr lvl="0"/>
-            <a:r>
-              <a:rPr lang="en-US"/>
-              <a:t>Click to edit Master text styles</a:t>
-            </a:r>
-          </a:p>
-          <a:p>
-            <a:pPr lvl="1"/>
-            <a:r>
-              <a:rPr lang="en-US"/>
-              <a:t>Second level</a:t>
-            </a:r>
-          </a:p>
-          <a:p>
-            <a:pPr lvl="2"/>
-            <a:r>
-              <a:rPr lang="en-US"/>
-              <a:t>Third level</a:t>
-            </a:r>
-          </a:p>
-          <a:p>
-            <a:pPr lvl="3"/>
-            <a:r>
-              <a:rPr lang="en-US"/>
-              <a:t>Fourth level</a:t>
-            </a:r>
-          </a:p>
-          <a:p>
-            <a:pPr lvl="4"/>
-            <a:r>
-              <a:rPr lang="en-US"/>
-              <a:t>Fifth level</a:t>
-            </a:r>
-          </a:p>
-        </p:txBody>
-      </p:sp>
-      <p:sp>
-        <p:nvSpPr>
-          <p:cNvPr id="4" name="Content Placeholder 3">
-            <a:extLst>
-              <a:ext uri="{FF2B5EF4-FFF2-40B4-BE49-F238E27FC236}">
-                <a16:creationId xmlns:a16="http://schemas.microsoft.com/office/drawing/2014/main" id="{F7766B05-2582-2896-19C3-882D70FACB5F}"/>
-              </a:ext>
-            </a:extLst>
-          </p:cNvPr>
-          <p:cNvSpPr>
-            <a:spLocks noGrp="1"/>
-          </p:cNvSpPr>
-          <p:nvPr>
-            <p:ph sz="half" idx="2"/>
+            <a:r>
+              <a:rPr lang="en-US"/>
+              <a:t>Click to edit Master title style</a:t>
+            </a:r>
+            <a:endParaRPr lang="en-US" dirty="0"/>
+          </a:p>
+        </p:txBody>
+      </p:sp>
+      <p:sp>
+        <p:nvSpPr>
+          <p:cNvPr id="3" name="Content Placeholder 2"/>
+          <p:cNvSpPr>
+            <a:spLocks noGrp="1"/>
+          </p:cNvSpPr>
+          <p:nvPr>
+            <p:ph sz="half" idx="1"/>
           </p:nvPr>
         </p:nvSpPr>
         <p:spPr>
           <a:xfrm>
-            <a:off x="6172200" y="1825625"/>
-            <a:ext cx="5181600" cy="4351338"/>
+            <a:off x="1447331" y="2010878"/>
+            <a:ext cx="4645152" cy="3448595"/>
           </a:xfrm>
         </p:spPr>
         <p:txBody>
@@ -1350,7 +1329,7 @@
             <a:pPr lvl="0"/>
             <a:r>
               <a:rPr lang="en-US"/>
-              <a:t>Click to edit Master text styles</a:t>
+              <a:t>Edit Master text styles</a:t>
             </a:r>
           </a:p>
           <a:p>
@@ -1380,18 +1359,70 @@
               <a:rPr lang="en-US"/>
               <a:t>Fifth level</a:t>
             </a:r>
-          </a:p>
-        </p:txBody>
-      </p:sp>
-      <p:sp>
-        <p:nvSpPr>
-          <p:cNvPr id="5" name="Date Placeholder 4">
-            <a:extLst>
-              <a:ext uri="{FF2B5EF4-FFF2-40B4-BE49-F238E27FC236}">
-                <a16:creationId xmlns:a16="http://schemas.microsoft.com/office/drawing/2014/main" id="{9B31603E-3758-E839-8631-2C3A010B232E}"/>
-              </a:ext>
-            </a:extLst>
-          </p:cNvPr>
+            <a:endParaRPr lang="en-US" dirty="0"/>
+          </a:p>
+        </p:txBody>
+      </p:sp>
+      <p:sp>
+        <p:nvSpPr>
+          <p:cNvPr id="4" name="Content Placeholder 3"/>
+          <p:cNvSpPr>
+            <a:spLocks noGrp="1"/>
+          </p:cNvSpPr>
+          <p:nvPr>
+            <p:ph sz="half" idx="2"/>
+          </p:nvPr>
+        </p:nvSpPr>
+        <p:spPr>
+          <a:xfrm>
+            <a:off x="6413771" y="2017343"/>
+            <a:ext cx="4645152" cy="3441520"/>
+          </a:xfrm>
+        </p:spPr>
+        <p:txBody>
+          <a:bodyPr/>
+          <a:lstStyle/>
+          <a:p>
+            <a:pPr lvl="0"/>
+            <a:r>
+              <a:rPr lang="en-US"/>
+              <a:t>Edit Master text styles</a:t>
+            </a:r>
+          </a:p>
+          <a:p>
+            <a:pPr lvl="1"/>
+            <a:r>
+              <a:rPr lang="en-US"/>
+              <a:t>Second level</a:t>
+            </a:r>
+          </a:p>
+          <a:p>
+            <a:pPr lvl="2"/>
+            <a:r>
+              <a:rPr lang="en-US"/>
+              <a:t>Third level</a:t>
+            </a:r>
+          </a:p>
+          <a:p>
+            <a:pPr lvl="3"/>
+            <a:r>
+              <a:rPr lang="en-US"/>
+              <a:t>Fourth level</a:t>
+            </a:r>
+          </a:p>
+          <a:p>
+            <a:pPr lvl="4"/>
+            <a:r>
+              <a:rPr lang="en-US"/>
+              <a:t>Fifth level</a:t>
+            </a:r>
+            <a:endParaRPr lang="en-US" dirty="0"/>
+          </a:p>
+        </p:txBody>
+      </p:sp>
+      <p:sp>
+        <p:nvSpPr>
+          <p:cNvPr id="5" name="Date Placeholder 4"/>
           <p:cNvSpPr>
             <a:spLocks noGrp="1"/>
           </p:cNvSpPr>
@@ -1406,7 +1437,7 @@
           <a:p>
             <a:fld id="{FC0DE6DF-3DC7-4EE7-B084-08B91895BF9D}" type="datetimeFigureOut">
               <a:rPr lang="en-US" smtClean="0"/>
-              <a:t>4/15/2023</a:t>
+              <a:t>4/30/2023</a:t>
             </a:fld>
             <a:endParaRPr lang="en-US"/>
           </a:p>
@@ -1414,13 +1445,7 @@
       </p:sp>
       <p:sp>
         <p:nvSpPr>
-          <p:cNvPr id="6" name="Footer Placeholder 5">
-            <a:extLst>
-              <a:ext uri="{FF2B5EF4-FFF2-40B4-BE49-F238E27FC236}">
-                <a16:creationId xmlns:a16="http://schemas.microsoft.com/office/drawing/2014/main" id="{3DD55A12-9F1A-5F6E-3DC1-989F5747B51C}"/>
-              </a:ext>
-            </a:extLst>
-          </p:cNvPr>
+          <p:cNvPr id="6" name="Footer Placeholder 5"/>
           <p:cNvSpPr>
             <a:spLocks noGrp="1"/>
           </p:cNvSpPr>
@@ -1439,13 +1464,7 @@
       </p:sp>
       <p:sp>
         <p:nvSpPr>
-          <p:cNvPr id="7" name="Slide Number Placeholder 6">
-            <a:extLst>
-              <a:ext uri="{FF2B5EF4-FFF2-40B4-BE49-F238E27FC236}">
-                <a16:creationId xmlns:a16="http://schemas.microsoft.com/office/drawing/2014/main" id="{48ACE6BF-FA52-0FD8-772B-C11C52F20831}"/>
-              </a:ext>
-            </a:extLst>
-          </p:cNvPr>
+          <p:cNvPr id="7" name="Slide Number Placeholder 6"/>
           <p:cNvSpPr>
             <a:spLocks noGrp="1"/>
           </p:cNvSpPr>
@@ -1466,10 +1485,41 @@
           </a:p>
         </p:txBody>
       </p:sp>
+      <p:cxnSp>
+        <p:nvCxnSpPr>
+          <p:cNvPr id="35" name="Straight Connector 34"/>
+          <p:cNvCxnSpPr/>
+          <p:nvPr/>
+        </p:nvCxnSpPr>
+        <p:spPr>
+          <a:xfrm>
+            <a:off x="1453896" y="1847088"/>
+            <a:ext cx="9607522" cy="0"/>
+          </a:xfrm>
+          <a:prstGeom prst="line">
+            <a:avLst/>
+          </a:prstGeom>
+          <a:ln w="31750"/>
+        </p:spPr>
+        <p:style>
+          <a:lnRef idx="3">
+            <a:schemeClr val="accent1"/>
+          </a:lnRef>
+          <a:fillRef idx="0">
+            <a:schemeClr val="accent1"/>
+          </a:fillRef>
+          <a:effectRef idx="2">
+            <a:schemeClr val="accent1"/>
+          </a:effectRef>
+          <a:fontRef idx="minor">
+            <a:schemeClr val="tx1"/>
+          </a:fontRef>
+        </p:style>
+      </p:cxnSp>
     </p:spTree>
     <p:extLst>
       <p:ext uri="{BB962C8B-B14F-4D97-AF65-F5344CB8AC3E}">
-        <p14:creationId xmlns:p14="http://schemas.microsoft.com/office/powerpoint/2010/main" val="1975113097"/>
+        <p14:creationId xmlns:p14="http://schemas.microsoft.com/office/powerpoint/2010/main" val="1507851969"/>
       </p:ext>
     </p:extLst>
   </p:cSld>
@@ -1498,13 +1548,7 @@
       </p:grpSpPr>
       <p:sp>
         <p:nvSpPr>
-          <p:cNvPr id="2" name="Title 1">
-            <a:extLst>
-              <a:ext uri="{FF2B5EF4-FFF2-40B4-BE49-F238E27FC236}">
-                <a16:creationId xmlns:a16="http://schemas.microsoft.com/office/drawing/2014/main" id="{5FA31D8D-96FD-E311-A981-4D5332EBD653}"/>
-              </a:ext>
-            </a:extLst>
-          </p:cNvPr>
+          <p:cNvPr id="2" name="Title 1"/>
           <p:cNvSpPr>
             <a:spLocks noGrp="1"/>
           </p:cNvSpPr>
@@ -1514,8 +1558,8 @@
         </p:nvSpPr>
         <p:spPr>
           <a:xfrm>
-            <a:off x="839788" y="365125"/>
-            <a:ext cx="10515600" cy="1325563"/>
+            <a:off x="1447191" y="804163"/>
+            <a:ext cx="9607661" cy="1056319"/>
           </a:xfrm>
         </p:spPr>
         <p:txBody>
@@ -1526,18 +1570,13 @@
               <a:rPr lang="en-US"/>
               <a:t>Click to edit Master title style</a:t>
             </a:r>
-          </a:p>
-        </p:txBody>
-      </p:sp>
-      <p:sp>
-        <p:nvSpPr>
-          <p:cNvPr id="3" name="Text Placeholder 2">
-            <a:extLst>
-              <a:ext uri="{FF2B5EF4-FFF2-40B4-BE49-F238E27FC236}">
-                <a16:creationId xmlns:a16="http://schemas.microsoft.com/office/drawing/2014/main" id="{14202E33-D9A0-813E-43B6-68217C29F389}"/>
-              </a:ext>
-            </a:extLst>
-          </p:cNvPr>
+            <a:endParaRPr lang="en-US" dirty="0"/>
+          </a:p>
+        </p:txBody>
+      </p:sp>
+      <p:sp>
+        <p:nvSpPr>
+          <p:cNvPr id="3" name="Text Placeholder 2"/>
           <p:cNvSpPr>
             <a:spLocks noGrp="1"/>
           </p:cNvSpPr>
@@ -1547,16 +1586,25 @@
         </p:nvSpPr>
         <p:spPr>
           <a:xfrm>
-            <a:off x="839788" y="1681163"/>
-            <a:ext cx="5157787" cy="823912"/>
+            <a:off x="1447191" y="2019549"/>
+            <a:ext cx="4645152" cy="801943"/>
           </a:xfrm>
         </p:spPr>
         <p:txBody>
-          <a:bodyPr anchor="b"/>
+          <a:bodyPr anchor="b">
+            <a:normAutofit/>
+          </a:bodyPr>
           <a:lstStyle>
             <a:lvl1pPr marL="0" indent="0">
-              <a:buNone/>
-              <a:defRPr sz="2400" b="1"/>
+              <a:lnSpc>
+                <a:spcPct val="100000"/>
+              </a:lnSpc>
+              <a:buNone/>
+              <a:defRPr sz="2200" b="0" cap="all" baseline="0">
+                <a:solidFill>
+                  <a:schemeClr val="accent1"/>
+                </a:solidFill>
+              </a:defRPr>
             </a:lvl1pPr>
             <a:lvl2pPr marL="457200" indent="0">
               <a:buNone/>
@@ -1595,20 +1643,14 @@
             <a:pPr lvl="0"/>
             <a:r>
               <a:rPr lang="en-US"/>
-              <a:t>Click to edit Master text styles</a:t>
-            </a:r>
-          </a:p>
-        </p:txBody>
-      </p:sp>
-      <p:sp>
-        <p:nvSpPr>
-          <p:cNvPr id="4" name="Content Placeholder 3">
-            <a:extLst>
-              <a:ext uri="{FF2B5EF4-FFF2-40B4-BE49-F238E27FC236}">
-                <a16:creationId xmlns:a16="http://schemas.microsoft.com/office/drawing/2014/main" id="{3FA7F34B-7E49-4BA6-A073-A38818F1CBC3}"/>
-              </a:ext>
-            </a:extLst>
-          </p:cNvPr>
+              <a:t>Edit Master text styles</a:t>
+            </a:r>
+          </a:p>
+        </p:txBody>
+      </p:sp>
+      <p:sp>
+        <p:nvSpPr>
+          <p:cNvPr id="4" name="Content Placeholder 3"/>
           <p:cNvSpPr>
             <a:spLocks noGrp="1"/>
           </p:cNvSpPr>
@@ -1618,8 +1660,8 @@
         </p:nvSpPr>
         <p:spPr>
           <a:xfrm>
-            <a:off x="839788" y="2505075"/>
-            <a:ext cx="5157787" cy="3684588"/>
+            <a:off x="1447191" y="2824269"/>
+            <a:ext cx="4645152" cy="2644457"/>
           </a:xfrm>
         </p:spPr>
         <p:txBody>
@@ -1629,7 +1671,7 @@
             <a:pPr lvl="0"/>
             <a:r>
               <a:rPr lang="en-US"/>
-              <a:t>Click to edit Master text styles</a:t>
+              <a:t>Edit Master text styles</a:t>
             </a:r>
           </a:p>
           <a:p>
@@ -1659,18 +1701,13 @@
               <a:rPr lang="en-US"/>
               <a:t>Fifth level</a:t>
             </a:r>
-          </a:p>
-        </p:txBody>
-      </p:sp>
-      <p:sp>
-        <p:nvSpPr>
-          <p:cNvPr id="5" name="Text Placeholder 4">
-            <a:extLst>
-              <a:ext uri="{FF2B5EF4-FFF2-40B4-BE49-F238E27FC236}">
-                <a16:creationId xmlns:a16="http://schemas.microsoft.com/office/drawing/2014/main" id="{D7B9D6D6-441E-19E1-BBD4-880FE1BBDA3A}"/>
-              </a:ext>
-            </a:extLst>
-          </p:cNvPr>
+            <a:endParaRPr lang="en-US" dirty="0"/>
+          </a:p>
+        </p:txBody>
+      </p:sp>
+      <p:sp>
+        <p:nvSpPr>
+          <p:cNvPr id="5" name="Text Placeholder 4"/>
           <p:cNvSpPr>
             <a:spLocks noGrp="1"/>
           </p:cNvSpPr>
@@ -1680,16 +1717,25 @@
         </p:nvSpPr>
         <p:spPr>
           <a:xfrm>
-            <a:off x="6172200" y="1681163"/>
-            <a:ext cx="5183188" cy="823912"/>
+            <a:off x="6412362" y="2023003"/>
+            <a:ext cx="4645152" cy="802237"/>
           </a:xfrm>
         </p:spPr>
         <p:txBody>
-          <a:bodyPr anchor="b"/>
+          <a:bodyPr anchor="b">
+            <a:normAutofit/>
+          </a:bodyPr>
           <a:lstStyle>
             <a:lvl1pPr marL="0" indent="0">
-              <a:buNone/>
-              <a:defRPr sz="2400" b="1"/>
+              <a:lnSpc>
+                <a:spcPct val="100000"/>
+              </a:lnSpc>
+              <a:buNone/>
+              <a:defRPr sz="2200" b="0" cap="all" baseline="0">
+                <a:solidFill>
+                  <a:schemeClr val="accent1"/>
+                </a:solidFill>
+              </a:defRPr>
             </a:lvl1pPr>
             <a:lvl2pPr marL="457200" indent="0">
               <a:buNone/>
@@ -1728,20 +1774,14 @@
             <a:pPr lvl="0"/>
             <a:r>
               <a:rPr lang="en-US"/>
-              <a:t>Click to edit Master text styles</a:t>
-            </a:r>
-          </a:p>
-        </p:txBody>
-      </p:sp>
-      <p:sp>
-        <p:nvSpPr>
-          <p:cNvPr id="6" name="Content Placeholder 5">
-            <a:extLst>
-              <a:ext uri="{FF2B5EF4-FFF2-40B4-BE49-F238E27FC236}">
-                <a16:creationId xmlns:a16="http://schemas.microsoft.com/office/drawing/2014/main" id="{2454E7BD-B760-57FE-ECE8-4E572C6CC900}"/>
-              </a:ext>
-            </a:extLst>
-          </p:cNvPr>
+              <a:t>Edit Master text styles</a:t>
+            </a:r>
+          </a:p>
+        </p:txBody>
+      </p:sp>
+      <p:sp>
+        <p:nvSpPr>
+          <p:cNvPr id="6" name="Content Placeholder 5"/>
           <p:cNvSpPr>
             <a:spLocks noGrp="1"/>
           </p:cNvSpPr>
@@ -1751,8 +1791,8 @@
         </p:nvSpPr>
         <p:spPr>
           <a:xfrm>
-            <a:off x="6172200" y="2505075"/>
-            <a:ext cx="5183188" cy="3684588"/>
+            <a:off x="6412362" y="2821491"/>
+            <a:ext cx="4645152" cy="2637371"/>
           </a:xfrm>
         </p:spPr>
         <p:txBody>
@@ -1762,7 +1802,7 @@
             <a:pPr lvl="0"/>
             <a:r>
               <a:rPr lang="en-US"/>
-              <a:t>Click to edit Master text styles</a:t>
+              <a:t>Edit Master text styles</a:t>
             </a:r>
           </a:p>
           <a:p>
@@ -1792,18 +1832,13 @@
               <a:rPr lang="en-US"/>
               <a:t>Fifth level</a:t>
             </a:r>
-          </a:p>
-        </p:txBody>
-      </p:sp>
-      <p:sp>
-        <p:nvSpPr>
-          <p:cNvPr id="7" name="Date Placeholder 6">
-            <a:extLst>
-              <a:ext uri="{FF2B5EF4-FFF2-40B4-BE49-F238E27FC236}">
-                <a16:creationId xmlns:a16="http://schemas.microsoft.com/office/drawing/2014/main" id="{368B159D-3C9A-528E-F52E-EC5672B852F1}"/>
-              </a:ext>
-            </a:extLst>
-          </p:cNvPr>
+            <a:endParaRPr lang="en-US" dirty="0"/>
+          </a:p>
+        </p:txBody>
+      </p:sp>
+      <p:sp>
+        <p:nvSpPr>
+          <p:cNvPr id="7" name="Date Placeholder 6"/>
           <p:cNvSpPr>
             <a:spLocks noGrp="1"/>
           </p:cNvSpPr>
@@ -1818,7 +1853,7 @@
           <a:p>
             <a:fld id="{FC0DE6DF-3DC7-4EE7-B084-08B91895BF9D}" type="datetimeFigureOut">
               <a:rPr lang="en-US" smtClean="0"/>
-              <a:t>4/15/2023</a:t>
+              <a:t>4/30/2023</a:t>
             </a:fld>
             <a:endParaRPr lang="en-US"/>
           </a:p>
@@ -1826,13 +1861,7 @@
       </p:sp>
       <p:sp>
         <p:nvSpPr>
-          <p:cNvPr id="8" name="Footer Placeholder 7">
-            <a:extLst>
-              <a:ext uri="{FF2B5EF4-FFF2-40B4-BE49-F238E27FC236}">
-                <a16:creationId xmlns:a16="http://schemas.microsoft.com/office/drawing/2014/main" id="{B8ED4A66-1978-E0E1-DD1A-246787E0C23F}"/>
-              </a:ext>
-            </a:extLst>
-          </p:cNvPr>
+          <p:cNvPr id="8" name="Footer Placeholder 7"/>
           <p:cNvSpPr>
             <a:spLocks noGrp="1"/>
           </p:cNvSpPr>
@@ -1851,13 +1880,7 @@
       </p:sp>
       <p:sp>
         <p:nvSpPr>
-          <p:cNvPr id="9" name="Slide Number Placeholder 8">
-            <a:extLst>
-              <a:ext uri="{FF2B5EF4-FFF2-40B4-BE49-F238E27FC236}">
-                <a16:creationId xmlns:a16="http://schemas.microsoft.com/office/drawing/2014/main" id="{9577BD79-D6B4-56C8-F078-1BFED7DFC25A}"/>
-              </a:ext>
-            </a:extLst>
-          </p:cNvPr>
+          <p:cNvPr id="9" name="Slide Number Placeholder 8"/>
           <p:cNvSpPr>
             <a:spLocks noGrp="1"/>
           </p:cNvSpPr>
@@ -1878,10 +1901,41 @@
           </a:p>
         </p:txBody>
       </p:sp>
+      <p:cxnSp>
+        <p:nvCxnSpPr>
+          <p:cNvPr id="29" name="Straight Connector 28"/>
+          <p:cNvCxnSpPr/>
+          <p:nvPr/>
+        </p:nvCxnSpPr>
+        <p:spPr>
+          <a:xfrm>
+            <a:off x="1453896" y="1847088"/>
+            <a:ext cx="9607522" cy="0"/>
+          </a:xfrm>
+          <a:prstGeom prst="line">
+            <a:avLst/>
+          </a:prstGeom>
+          <a:ln w="31750"/>
+        </p:spPr>
+        <p:style>
+          <a:lnRef idx="3">
+            <a:schemeClr val="accent1"/>
+          </a:lnRef>
+          <a:fillRef idx="0">
+            <a:schemeClr val="accent1"/>
+          </a:fillRef>
+          <a:effectRef idx="2">
+            <a:schemeClr val="accent1"/>
+          </a:effectRef>
+          <a:fontRef idx="minor">
+            <a:schemeClr val="tx1"/>
+          </a:fontRef>
+        </p:style>
+      </p:cxnSp>
     </p:spTree>
     <p:extLst>
       <p:ext uri="{BB962C8B-B14F-4D97-AF65-F5344CB8AC3E}">
-        <p14:creationId xmlns:p14="http://schemas.microsoft.com/office/powerpoint/2010/main" val="983175200"/>
+        <p14:creationId xmlns:p14="http://schemas.microsoft.com/office/powerpoint/2010/main" val="19112530"/>
       </p:ext>
     </p:extLst>
   </p:cSld>
@@ -1910,13 +1964,7 @@
       </p:grpSpPr>
       <p:sp>
         <p:nvSpPr>
-          <p:cNvPr id="2" name="Title 1">
-            <a:extLst>
-              <a:ext uri="{FF2B5EF4-FFF2-40B4-BE49-F238E27FC236}">
-                <a16:creationId xmlns:a16="http://schemas.microsoft.com/office/drawing/2014/main" id="{C1884977-7C95-11E8-3A70-A8A830EF6547}"/>
-              </a:ext>
-            </a:extLst>
-          </p:cNvPr>
+          <p:cNvPr id="2" name="Title 1"/>
           <p:cNvSpPr>
             <a:spLocks noGrp="1"/>
           </p:cNvSpPr>
@@ -1933,18 +1981,13 @@
               <a:rPr lang="en-US"/>
               <a:t>Click to edit Master title style</a:t>
             </a:r>
-          </a:p>
-        </p:txBody>
-      </p:sp>
-      <p:sp>
-        <p:nvSpPr>
-          <p:cNvPr id="3" name="Date Placeholder 2">
-            <a:extLst>
-              <a:ext uri="{FF2B5EF4-FFF2-40B4-BE49-F238E27FC236}">
-                <a16:creationId xmlns:a16="http://schemas.microsoft.com/office/drawing/2014/main" id="{2380A581-883E-8966-9166-8DF683E3326B}"/>
-              </a:ext>
-            </a:extLst>
-          </p:cNvPr>
+            <a:endParaRPr lang="en-US" dirty="0"/>
+          </a:p>
+        </p:txBody>
+      </p:sp>
+      <p:sp>
+        <p:nvSpPr>
+          <p:cNvPr id="3" name="Date Placeholder 2"/>
           <p:cNvSpPr>
             <a:spLocks noGrp="1"/>
           </p:cNvSpPr>
@@ -1959,7 +2002,7 @@
           <a:p>
             <a:fld id="{FC0DE6DF-3DC7-4EE7-B084-08B91895BF9D}" type="datetimeFigureOut">
               <a:rPr lang="en-US" smtClean="0"/>
-              <a:t>4/15/2023</a:t>
+              <a:t>4/30/2023</a:t>
             </a:fld>
             <a:endParaRPr lang="en-US"/>
           </a:p>
@@ -1967,13 +2010,7 @@
       </p:sp>
       <p:sp>
         <p:nvSpPr>
-          <p:cNvPr id="4" name="Footer Placeholder 3">
-            <a:extLst>
-              <a:ext uri="{FF2B5EF4-FFF2-40B4-BE49-F238E27FC236}">
-                <a16:creationId xmlns:a16="http://schemas.microsoft.com/office/drawing/2014/main" id="{518C0FDE-BB8C-FF94-37FD-D84CFDEEBB1E}"/>
-              </a:ext>
-            </a:extLst>
-          </p:cNvPr>
+          <p:cNvPr id="4" name="Footer Placeholder 3"/>
           <p:cNvSpPr>
             <a:spLocks noGrp="1"/>
           </p:cNvSpPr>
@@ -1992,13 +2029,7 @@
       </p:sp>
       <p:sp>
         <p:nvSpPr>
-          <p:cNvPr id="5" name="Slide Number Placeholder 4">
-            <a:extLst>
-              <a:ext uri="{FF2B5EF4-FFF2-40B4-BE49-F238E27FC236}">
-                <a16:creationId xmlns:a16="http://schemas.microsoft.com/office/drawing/2014/main" id="{A2D87077-166B-FD97-7C0B-030AF623571E}"/>
-              </a:ext>
-            </a:extLst>
-          </p:cNvPr>
+          <p:cNvPr id="5" name="Slide Number Placeholder 4"/>
           <p:cNvSpPr>
             <a:spLocks noGrp="1"/>
           </p:cNvSpPr>
@@ -2019,10 +2050,41 @@
           </a:p>
         </p:txBody>
       </p:sp>
+      <p:cxnSp>
+        <p:nvCxnSpPr>
+          <p:cNvPr id="25" name="Straight Connector 24"/>
+          <p:cNvCxnSpPr/>
+          <p:nvPr/>
+        </p:nvCxnSpPr>
+        <p:spPr>
+          <a:xfrm>
+            <a:off x="1453896" y="1847088"/>
+            <a:ext cx="9607522" cy="0"/>
+          </a:xfrm>
+          <a:prstGeom prst="line">
+            <a:avLst/>
+          </a:prstGeom>
+          <a:ln w="31750"/>
+        </p:spPr>
+        <p:style>
+          <a:lnRef idx="3">
+            <a:schemeClr val="accent1"/>
+          </a:lnRef>
+          <a:fillRef idx="0">
+            <a:schemeClr val="accent1"/>
+          </a:fillRef>
+          <a:effectRef idx="2">
+            <a:schemeClr val="accent1"/>
+          </a:effectRef>
+          <a:fontRef idx="minor">
+            <a:schemeClr val="tx1"/>
+          </a:fontRef>
+        </p:style>
+      </p:cxnSp>
     </p:spTree>
     <p:extLst>
       <p:ext uri="{BB962C8B-B14F-4D97-AF65-F5344CB8AC3E}">
-        <p14:creationId xmlns:p14="http://schemas.microsoft.com/office/powerpoint/2010/main" val="2405281764"/>
+        <p14:creationId xmlns:p14="http://schemas.microsoft.com/office/powerpoint/2010/main" val="1899274095"/>
       </p:ext>
     </p:extLst>
   </p:cSld>
@@ -2051,13 +2113,7 @@
       </p:grpSpPr>
       <p:sp>
         <p:nvSpPr>
-          <p:cNvPr id="2" name="Date Placeholder 1">
-            <a:extLst>
-              <a:ext uri="{FF2B5EF4-FFF2-40B4-BE49-F238E27FC236}">
-                <a16:creationId xmlns:a16="http://schemas.microsoft.com/office/drawing/2014/main" id="{9470BE96-2EF9-9135-AF7F-7C585512AC14}"/>
-              </a:ext>
-            </a:extLst>
-          </p:cNvPr>
+          <p:cNvPr id="2" name="Date Placeholder 1"/>
           <p:cNvSpPr>
             <a:spLocks noGrp="1"/>
           </p:cNvSpPr>
@@ -2072,7 +2128,7 @@
           <a:p>
             <a:fld id="{FC0DE6DF-3DC7-4EE7-B084-08B91895BF9D}" type="datetimeFigureOut">
               <a:rPr lang="en-US" smtClean="0"/>
-              <a:t>4/15/2023</a:t>
+              <a:t>4/30/2023</a:t>
             </a:fld>
             <a:endParaRPr lang="en-US"/>
           </a:p>
@@ -2080,13 +2136,7 @@
       </p:sp>
       <p:sp>
         <p:nvSpPr>
-          <p:cNvPr id="3" name="Footer Placeholder 2">
-            <a:extLst>
-              <a:ext uri="{FF2B5EF4-FFF2-40B4-BE49-F238E27FC236}">
-                <a16:creationId xmlns:a16="http://schemas.microsoft.com/office/drawing/2014/main" id="{ADAD5000-2A4F-0C11-6DC6-371CECC305B8}"/>
-              </a:ext>
-            </a:extLst>
-          </p:cNvPr>
+          <p:cNvPr id="3" name="Footer Placeholder 2"/>
           <p:cNvSpPr>
             <a:spLocks noGrp="1"/>
           </p:cNvSpPr>
@@ -2105,13 +2155,7 @@
       </p:sp>
       <p:sp>
         <p:nvSpPr>
-          <p:cNvPr id="4" name="Slide Number Placeholder 3">
-            <a:extLst>
-              <a:ext uri="{FF2B5EF4-FFF2-40B4-BE49-F238E27FC236}">
-                <a16:creationId xmlns:a16="http://schemas.microsoft.com/office/drawing/2014/main" id="{FFA107C6-06BA-8BFC-C7E0-FA5F69EFC530}"/>
-              </a:ext>
-            </a:extLst>
-          </p:cNvPr>
+          <p:cNvPr id="4" name="Slide Number Placeholder 3"/>
           <p:cNvSpPr>
             <a:spLocks noGrp="1"/>
           </p:cNvSpPr>
@@ -2135,7 +2179,7 @@
     </p:spTree>
     <p:extLst>
       <p:ext uri="{BB962C8B-B14F-4D97-AF65-F5344CB8AC3E}">
-        <p14:creationId xmlns:p14="http://schemas.microsoft.com/office/powerpoint/2010/main" val="776094113"/>
+        <p14:creationId xmlns:p14="http://schemas.microsoft.com/office/powerpoint/2010/main" val="3522681497"/>
       </p:ext>
     </p:extLst>
   </p:cSld>
@@ -2164,13 +2208,7 @@
       </p:grpSpPr>
       <p:sp>
         <p:nvSpPr>
-          <p:cNvPr id="2" name="Title 1">
-            <a:extLst>
-              <a:ext uri="{FF2B5EF4-FFF2-40B4-BE49-F238E27FC236}">
-                <a16:creationId xmlns:a16="http://schemas.microsoft.com/office/drawing/2014/main" id="{838A87CB-E66C-7110-78DB-151D03463962}"/>
-              </a:ext>
-            </a:extLst>
-          </p:cNvPr>
+          <p:cNvPr id="2" name="Title 1"/>
           <p:cNvSpPr>
             <a:spLocks noGrp="1"/>
           </p:cNvSpPr>
@@ -2180,15 +2218,17 @@
         </p:nvSpPr>
         <p:spPr>
           <a:xfrm>
-            <a:off x="839788" y="457200"/>
-            <a:ext cx="3932237" cy="1600200"/>
+            <a:off x="1444671" y="798973"/>
+            <a:ext cx="3273099" cy="2247117"/>
           </a:xfrm>
         </p:spPr>
         <p:txBody>
-          <a:bodyPr anchor="b"/>
+          <a:bodyPr anchor="b">
+            <a:normAutofit/>
+          </a:bodyPr>
           <a:lstStyle>
-            <a:lvl1pPr>
-              <a:defRPr sz="3200"/>
+            <a:lvl1pPr algn="l">
+              <a:defRPr sz="2400"/>
             </a:lvl1pPr>
           </a:lstStyle>
           <a:p>
@@ -2196,18 +2236,13 @@
               <a:rPr lang="en-US"/>
               <a:t>Click to edit Master title style</a:t>
             </a:r>
-          </a:p>
-        </p:txBody>
-      </p:sp>
-      <p:sp>
-        <p:nvSpPr>
-          <p:cNvPr id="3" name="Content Placeholder 2">
-            <a:extLst>
-              <a:ext uri="{FF2B5EF4-FFF2-40B4-BE49-F238E27FC236}">
-                <a16:creationId xmlns:a16="http://schemas.microsoft.com/office/drawing/2014/main" id="{A1D1215D-8868-3F66-B379-08D2653C3960}"/>
-              </a:ext>
-            </a:extLst>
-          </p:cNvPr>
+            <a:endParaRPr lang="en-US" dirty="0"/>
+          </a:p>
+        </p:txBody>
+      </p:sp>
+      <p:sp>
+        <p:nvSpPr>
+          <p:cNvPr id="3" name="Content Placeholder 2"/>
           <p:cNvSpPr>
             <a:spLocks noGrp="1"/>
           </p:cNvSpPr>
@@ -2217,46 +2252,18 @@
         </p:nvSpPr>
         <p:spPr>
           <a:xfrm>
-            <a:off x="5183188" y="987425"/>
-            <a:ext cx="6172200" cy="4873625"/>
+            <a:off x="5043714" y="798974"/>
+            <a:ext cx="6012470" cy="4658826"/>
           </a:xfrm>
         </p:spPr>
         <p:txBody>
-          <a:bodyPr/>
-          <a:lstStyle>
-            <a:lvl1pPr>
-              <a:defRPr sz="3200"/>
-            </a:lvl1pPr>
-            <a:lvl2pPr>
-              <a:defRPr sz="2800"/>
-            </a:lvl2pPr>
-            <a:lvl3pPr>
-              <a:defRPr sz="2400"/>
-            </a:lvl3pPr>
-            <a:lvl4pPr>
-              <a:defRPr sz="2000"/>
-            </a:lvl4pPr>
-            <a:lvl5pPr>
-              <a:defRPr sz="2000"/>
-            </a:lvl5pPr>
-            <a:lvl6pPr>
-              <a:defRPr sz="2000"/>
-            </a:lvl6pPr>
-            <a:lvl7pPr>
-              <a:defRPr sz="2000"/>
-            </a:lvl7pPr>
-            <a:lvl8pPr>
-              <a:defRPr sz="2000"/>
-            </a:lvl8pPr>
-            <a:lvl9pPr>
-              <a:defRPr sz="2000"/>
-            </a:lvl9pPr>
-          </a:lstStyle>
+          <a:bodyPr anchor="ctr"/>
+          <a:lstStyle/>
           <a:p>
             <a:pPr lvl="0"/>
             <a:r>
               <a:rPr lang="en-US"/>
-              <a:t>Click to edit Master text styles</a:t>
+              <a:t>Edit Master text styles</a:t>
             </a:r>
           </a:p>
           <a:p>
@@ -2286,18 +2293,13 @@
               <a:rPr lang="en-US"/>
               <a:t>Fifth level</a:t>
             </a:r>
-          </a:p>
-        </p:txBody>
-      </p:sp>
-      <p:sp>
-        <p:nvSpPr>
-          <p:cNvPr id="4" name="Text Placeholder 3">
-            <a:extLst>
-              <a:ext uri="{FF2B5EF4-FFF2-40B4-BE49-F238E27FC236}">
-                <a16:creationId xmlns:a16="http://schemas.microsoft.com/office/drawing/2014/main" id="{C1B8A020-5B01-3341-4FE7-B54D9B8029BD}"/>
-              </a:ext>
-            </a:extLst>
-          </p:cNvPr>
+            <a:endParaRPr lang="en-US" dirty="0"/>
+          </a:p>
+        </p:txBody>
+      </p:sp>
+      <p:sp>
+        <p:nvSpPr>
+          <p:cNvPr id="4" name="Text Placeholder 3"/>
           <p:cNvSpPr>
             <a:spLocks noGrp="1"/>
           </p:cNvSpPr>
@@ -2307,14 +2309,14 @@
         </p:nvSpPr>
         <p:spPr>
           <a:xfrm>
-            <a:off x="839788" y="2057400"/>
-            <a:ext cx="3932237" cy="3811588"/>
+            <a:off x="1444671" y="3205491"/>
+            <a:ext cx="3275013" cy="2248181"/>
           </a:xfrm>
         </p:spPr>
         <p:txBody>
           <a:bodyPr/>
           <a:lstStyle>
-            <a:lvl1pPr marL="0" indent="0">
+            <a:lvl1pPr marL="0" indent="0" algn="l">
               <a:buNone/>
               <a:defRPr sz="1600"/>
             </a:lvl1pPr>
@@ -2355,20 +2357,14 @@
             <a:pPr lvl="0"/>
             <a:r>
               <a:rPr lang="en-US"/>
-              <a:t>Click to edit Master text styles</a:t>
-            </a:r>
-          </a:p>
-        </p:txBody>
-      </p:sp>
-      <p:sp>
-        <p:nvSpPr>
-          <p:cNvPr id="5" name="Date Placeholder 4">
-            <a:extLst>
-              <a:ext uri="{FF2B5EF4-FFF2-40B4-BE49-F238E27FC236}">
-                <a16:creationId xmlns:a16="http://schemas.microsoft.com/office/drawing/2014/main" id="{C81EE6EF-B584-8CC8-13D1-FF24C7D52EB1}"/>
-              </a:ext>
-            </a:extLst>
-          </p:cNvPr>
+              <a:t>Edit Master text styles</a:t>
+            </a:r>
+          </a:p>
+        </p:txBody>
+      </p:sp>
+      <p:sp>
+        <p:nvSpPr>
+          <p:cNvPr id="5" name="Date Placeholder 4"/>
           <p:cNvSpPr>
             <a:spLocks noGrp="1"/>
           </p:cNvSpPr>
@@ -2383,7 +2379,7 @@
           <a:p>
             <a:fld id="{FC0DE6DF-3DC7-4EE7-B084-08B91895BF9D}" type="datetimeFigureOut">
               <a:rPr lang="en-US" smtClean="0"/>
-              <a:t>4/15/2023</a:t>
+              <a:t>4/30/2023</a:t>
             </a:fld>
             <a:endParaRPr lang="en-US"/>
           </a:p>
@@ -2391,13 +2387,7 @@
       </p:sp>
       <p:sp>
         <p:nvSpPr>
-          <p:cNvPr id="6" name="Footer Placeholder 5">
-            <a:extLst>
-              <a:ext uri="{FF2B5EF4-FFF2-40B4-BE49-F238E27FC236}">
-                <a16:creationId xmlns:a16="http://schemas.microsoft.com/office/drawing/2014/main" id="{681F6EF9-58F4-BB68-BDB2-2E608317494C}"/>
-              </a:ext>
-            </a:extLst>
-          </p:cNvPr>
+          <p:cNvPr id="6" name="Footer Placeholder 5"/>
           <p:cNvSpPr>
             <a:spLocks noGrp="1"/>
           </p:cNvSpPr>
@@ -2416,13 +2406,7 @@
       </p:sp>
       <p:sp>
         <p:nvSpPr>
-          <p:cNvPr id="7" name="Slide Number Placeholder 6">
-            <a:extLst>
-              <a:ext uri="{FF2B5EF4-FFF2-40B4-BE49-F238E27FC236}">
-                <a16:creationId xmlns:a16="http://schemas.microsoft.com/office/drawing/2014/main" id="{AF5BA864-D7BD-DE66-7DA4-7979D8F54AC6}"/>
-              </a:ext>
-            </a:extLst>
-          </p:cNvPr>
+          <p:cNvPr id="7" name="Slide Number Placeholder 6"/>
           <p:cNvSpPr>
             <a:spLocks noGrp="1"/>
           </p:cNvSpPr>
@@ -2443,10 +2427,41 @@
           </a:p>
         </p:txBody>
       </p:sp>
+      <p:cxnSp>
+        <p:nvCxnSpPr>
+          <p:cNvPr id="17" name="Straight Connector 16"/>
+          <p:cNvCxnSpPr/>
+          <p:nvPr/>
+        </p:nvCxnSpPr>
+        <p:spPr>
+          <a:xfrm>
+            <a:off x="1448280" y="3205491"/>
+            <a:ext cx="3269490" cy="0"/>
+          </a:xfrm>
+          <a:prstGeom prst="line">
+            <a:avLst/>
+          </a:prstGeom>
+          <a:ln w="31750"/>
+        </p:spPr>
+        <p:style>
+          <a:lnRef idx="3">
+            <a:schemeClr val="accent1"/>
+          </a:lnRef>
+          <a:fillRef idx="0">
+            <a:schemeClr val="accent1"/>
+          </a:fillRef>
+          <a:effectRef idx="2">
+            <a:schemeClr val="accent1"/>
+          </a:effectRef>
+          <a:fontRef idx="minor">
+            <a:schemeClr val="tx1"/>
+          </a:fontRef>
+        </p:style>
+      </p:cxnSp>
     </p:spTree>
     <p:extLst>
       <p:ext uri="{BB962C8B-B14F-4D97-AF65-F5344CB8AC3E}">
-        <p14:creationId xmlns:p14="http://schemas.microsoft.com/office/powerpoint/2010/main" val="3969687679"/>
+        <p14:creationId xmlns:p14="http://schemas.microsoft.com/office/powerpoint/2010/main" val="581267627"/>
       </p:ext>
     </p:extLst>
   </p:cSld>
@@ -2473,15 +2488,143 @@
           <a:chExt cx="0" cy="0"/>
         </a:xfrm>
       </p:grpSpPr>
-      <p:sp>
-        <p:nvSpPr>
-          <p:cNvPr id="2" name="Title 1">
-            <a:extLst>
-              <a:ext uri="{FF2B5EF4-FFF2-40B4-BE49-F238E27FC236}">
-                <a16:creationId xmlns:a16="http://schemas.microsoft.com/office/drawing/2014/main" id="{C75F0D3A-D9C3-A8AA-4FAD-7E276BBE5BC7}"/>
-              </a:ext>
-            </a:extLst>
-          </p:cNvPr>
+      <p:grpSp>
+        <p:nvGrpSpPr>
+          <p:cNvPr id="8" name="Group 7"/>
+          <p:cNvGrpSpPr/>
+          <p:nvPr/>
+        </p:nvGrpSpPr>
+        <p:grpSpPr>
+          <a:xfrm>
+            <a:off x="7477387" y="482170"/>
+            <a:ext cx="4074533" cy="5149101"/>
+            <a:chOff x="7477387" y="482170"/>
+            <a:chExt cx="4074533" cy="5149101"/>
+          </a:xfrm>
+        </p:grpSpPr>
+        <p:sp>
+          <p:nvSpPr>
+            <p:cNvPr id="18" name="Rectangle 17"/>
+            <p:cNvSpPr/>
+            <p:nvPr/>
+          </p:nvSpPr>
+          <p:spPr bwMode="black">
+            <a:xfrm>
+              <a:off x="7477387" y="482170"/>
+              <a:ext cx="4074533" cy="5149101"/>
+            </a:xfrm>
+            <a:prstGeom prst="rect">
+              <a:avLst/>
+            </a:prstGeom>
+            <a:gradFill>
+              <a:gsLst>
+                <a:gs pos="0">
+                  <a:srgbClr val="000001"/>
+                </a:gs>
+                <a:gs pos="100000">
+                  <a:srgbClr val="191919"/>
+                </a:gs>
+              </a:gsLst>
+            </a:gradFill>
+            <a:ln w="76200" cmpd="sng">
+              <a:noFill/>
+              <a:miter lim="800000"/>
+            </a:ln>
+            <a:effectLst>
+              <a:outerShdw blurRad="127000" dist="228600" dir="4740000" sx="98000" sy="98000" algn="tl" rotWithShape="0">
+                <a:srgbClr val="000000">
+                  <a:alpha val="34000"/>
+                </a:srgbClr>
+              </a:outerShdw>
+            </a:effectLst>
+            <a:scene3d>
+              <a:camera prst="orthographicFront"/>
+              <a:lightRig rig="threePt" dir="t"/>
+            </a:scene3d>
+            <a:sp3d>
+              <a:bevelT w="152400" h="50800" prst="softRound"/>
+            </a:sp3d>
+          </p:spPr>
+          <p:style>
+            <a:lnRef idx="1">
+              <a:schemeClr val="accent1"/>
+            </a:lnRef>
+            <a:fillRef idx="3">
+              <a:schemeClr val="accent1"/>
+            </a:fillRef>
+            <a:effectRef idx="2">
+              <a:schemeClr val="accent1"/>
+            </a:effectRef>
+            <a:fontRef idx="minor">
+              <a:schemeClr val="lt1"/>
+            </a:fontRef>
+          </p:style>
+        </p:sp>
+        <p:sp>
+          <p:nvSpPr>
+            <p:cNvPr id="19" name="Rectangle 18"/>
+            <p:cNvSpPr/>
+            <p:nvPr/>
+          </p:nvSpPr>
+          <p:spPr bwMode="blackWhite">
+            <a:xfrm>
+              <a:off x="7790446" y="812506"/>
+              <a:ext cx="3450289" cy="4466452"/>
+            </a:xfrm>
+            <a:prstGeom prst="rect">
+              <a:avLst/>
+            </a:prstGeom>
+            <a:gradFill>
+              <a:gsLst>
+                <a:gs pos="0">
+                  <a:srgbClr val="DADADA"/>
+                </a:gs>
+                <a:gs pos="100000">
+                  <a:srgbClr val="FFFFFE"/>
+                </a:gs>
+              </a:gsLst>
+              <a:lin ang="16200000" scaled="0"/>
+            </a:gradFill>
+            <a:ln w="50800" cmpd="sng">
+              <a:solidFill>
+                <a:srgbClr val="191919"/>
+              </a:solidFill>
+              <a:miter lim="800000"/>
+            </a:ln>
+            <a:effectLst>
+              <a:innerShdw blurRad="63500" dist="88900" dir="14100000">
+                <a:srgbClr val="000000">
+                  <a:alpha val="30000"/>
+                </a:srgbClr>
+              </a:innerShdw>
+            </a:effectLst>
+            <a:scene3d>
+              <a:camera prst="orthographicFront"/>
+              <a:lightRig rig="threePt" dir="t"/>
+            </a:scene3d>
+            <a:sp3d>
+              <a:bevelT prst="relaxedInset"/>
+            </a:sp3d>
+          </p:spPr>
+          <p:style>
+            <a:lnRef idx="1">
+              <a:schemeClr val="accent1"/>
+            </a:lnRef>
+            <a:fillRef idx="3">
+              <a:schemeClr val="accent1"/>
+            </a:fillRef>
+            <a:effectRef idx="2">
+              <a:schemeClr val="accent1"/>
+            </a:effectRef>
+            <a:fontRef idx="minor">
+              <a:schemeClr val="lt1"/>
+            </a:fontRef>
+          </p:style>
+        </p:sp>
+      </p:grpSp>
+      <p:sp>
+        <p:nvSpPr>
+          <p:cNvPr id="2" name="Title 1"/>
           <p:cNvSpPr>
             <a:spLocks noGrp="1"/>
           </p:cNvSpPr>
@@ -2491,12 +2634,14 @@
         </p:nvSpPr>
         <p:spPr>
           <a:xfrm>
-            <a:off x="839788" y="457200"/>
-            <a:ext cx="3932237" cy="1600200"/>
+            <a:off x="1451206" y="1129513"/>
+            <a:ext cx="5532328" cy="1830584"/>
           </a:xfrm>
         </p:spPr>
         <p:txBody>
-          <a:bodyPr anchor="b"/>
+          <a:bodyPr anchor="b">
+            <a:normAutofit/>
+          </a:bodyPr>
           <a:lstStyle>
             <a:lvl1pPr>
               <a:defRPr sz="3200"/>
@@ -2507,20 +2652,15 @@
               <a:rPr lang="en-US"/>
               <a:t>Click to edit Master title style</a:t>
             </a:r>
-          </a:p>
-        </p:txBody>
-      </p:sp>
-      <p:sp>
-        <p:nvSpPr>
-          <p:cNvPr id="3" name="Picture Placeholder 2">
-            <a:extLst>
-              <a:ext uri="{FF2B5EF4-FFF2-40B4-BE49-F238E27FC236}">
-                <a16:creationId xmlns:a16="http://schemas.microsoft.com/office/drawing/2014/main" id="{7F5F7D27-7030-6225-36CE-463B99D107C9}"/>
-              </a:ext>
-            </a:extLst>
-          </p:cNvPr>
-          <p:cNvSpPr>
-            <a:spLocks noGrp="1"/>
+            <a:endParaRPr lang="en-US" dirty="0"/>
+          </a:p>
+        </p:txBody>
+      </p:sp>
+      <p:sp>
+        <p:nvSpPr>
+          <p:cNvPr id="3" name="Picture Placeholder 2"/>
+          <p:cNvSpPr>
+            <a:spLocks noGrp="1" noChangeAspect="1"/>
           </p:cNvSpPr>
           <p:nvPr>
             <p:ph type="pic" idx="1"/>
@@ -2528,14 +2668,24 @@
         </p:nvSpPr>
         <p:spPr>
           <a:xfrm>
-            <a:off x="5183188" y="987425"/>
-            <a:ext cx="6172200" cy="4873625"/>
+            <a:off x="8124389" y="1122542"/>
+            <a:ext cx="2791171" cy="3866327"/>
           </a:xfrm>
+          <a:solidFill>
+            <a:schemeClr val="bg1">
+              <a:lumMod val="85000"/>
+            </a:schemeClr>
+          </a:solidFill>
+          <a:ln w="9525" cap="sq">
+            <a:noFill/>
+            <a:miter lim="800000"/>
+          </a:ln>
+          <a:effectLst/>
         </p:spPr>
         <p:txBody>
-          <a:bodyPr/>
+          <a:bodyPr anchor="t"/>
           <a:lstStyle>
-            <a:lvl1pPr marL="0" indent="0">
+            <a:lvl1pPr marL="0" indent="0" algn="ctr">
               <a:buNone/>
               <a:defRPr sz="3200"/>
             </a:lvl1pPr>
@@ -2573,19 +2723,17 @@
             </a:lvl9pPr>
           </a:lstStyle>
           <a:p>
-            <a:endParaRPr lang="en-US"/>
-          </a:p>
-        </p:txBody>
-      </p:sp>
-      <p:sp>
-        <p:nvSpPr>
-          <p:cNvPr id="4" name="Text Placeholder 3">
-            <a:extLst>
-              <a:ext uri="{FF2B5EF4-FFF2-40B4-BE49-F238E27FC236}">
-                <a16:creationId xmlns:a16="http://schemas.microsoft.com/office/drawing/2014/main" id="{21D58A41-1496-05E8-E6DE-854FAC42ACC1}"/>
-              </a:ext>
-            </a:extLst>
-          </p:cNvPr>
+            <a:r>
+              <a:rPr lang="en-US"/>
+              <a:t>Click icon to add picture</a:t>
+            </a:r>
+            <a:endParaRPr lang="en-US" dirty="0"/>
+          </a:p>
+        </p:txBody>
+      </p:sp>
+      <p:sp>
+        <p:nvSpPr>
+          <p:cNvPr id="4" name="Text Placeholder 3"/>
           <p:cNvSpPr>
             <a:spLocks noGrp="1"/>
           </p:cNvSpPr>
@@ -2595,16 +2743,18 @@
         </p:nvSpPr>
         <p:spPr>
           <a:xfrm>
-            <a:off x="839788" y="2057400"/>
-            <a:ext cx="3932237" cy="3811588"/>
+            <a:off x="1450329" y="3145992"/>
+            <a:ext cx="5524404" cy="2003742"/>
           </a:xfrm>
         </p:spPr>
         <p:txBody>
-          <a:bodyPr/>
+          <a:bodyPr>
+            <a:normAutofit/>
+          </a:bodyPr>
           <a:lstStyle>
-            <a:lvl1pPr marL="0" indent="0">
-              <a:buNone/>
-              <a:defRPr sz="1600"/>
+            <a:lvl1pPr marL="0" indent="0" algn="l">
+              <a:buNone/>
+              <a:defRPr sz="1800"/>
             </a:lvl1pPr>
             <a:lvl2pPr marL="457200" indent="0">
               <a:buNone/>
@@ -2643,20 +2793,14 @@
             <a:pPr lvl="0"/>
             <a:r>
               <a:rPr lang="en-US"/>
-              <a:t>Click to edit Master text styles</a:t>
-            </a:r>
-          </a:p>
-        </p:txBody>
-      </p:sp>
-      <p:sp>
-        <p:nvSpPr>
-          <p:cNvPr id="5" name="Date Placeholder 4">
-            <a:extLst>
-              <a:ext uri="{FF2B5EF4-FFF2-40B4-BE49-F238E27FC236}">
-                <a16:creationId xmlns:a16="http://schemas.microsoft.com/office/drawing/2014/main" id="{A83353E5-8E4C-5E73-E0A9-894423E6A763}"/>
-              </a:ext>
-            </a:extLst>
-          </p:cNvPr>
+              <a:t>Edit Master text styles</a:t>
+            </a:r>
+          </a:p>
+        </p:txBody>
+      </p:sp>
+      <p:sp>
+        <p:nvSpPr>
+          <p:cNvPr id="5" name="Date Placeholder 4"/>
           <p:cNvSpPr>
             <a:spLocks noGrp="1"/>
           </p:cNvSpPr>
@@ -2664,14 +2808,23 @@
             <p:ph type="dt" sz="half" idx="10"/>
           </p:nvPr>
         </p:nvSpPr>
-        <p:spPr/>
-        <p:txBody>
-          <a:bodyPr/>
-          <a:lstStyle/>
+        <p:spPr>
+          <a:xfrm>
+            <a:off x="1447382" y="5469856"/>
+            <a:ext cx="5527351" cy="320123"/>
+          </a:xfrm>
+        </p:spPr>
+        <p:txBody>
+          <a:bodyPr/>
+          <a:lstStyle>
+            <a:lvl1pPr algn="l">
+              <a:defRPr/>
+            </a:lvl1pPr>
+          </a:lstStyle>
           <a:p>
             <a:fld id="{FC0DE6DF-3DC7-4EE7-B084-08B91895BF9D}" type="datetimeFigureOut">
               <a:rPr lang="en-US" smtClean="0"/>
-              <a:t>4/15/2023</a:t>
+              <a:t>4/30/2023</a:t>
             </a:fld>
             <a:endParaRPr lang="en-US"/>
           </a:p>
@@ -2679,13 +2832,7 @@
       </p:sp>
       <p:sp>
         <p:nvSpPr>
-          <p:cNvPr id="6" name="Footer Placeholder 5">
-            <a:extLst>
-              <a:ext uri="{FF2B5EF4-FFF2-40B4-BE49-F238E27FC236}">
-                <a16:creationId xmlns:a16="http://schemas.microsoft.com/office/drawing/2014/main" id="{3137248A-7F3E-46A4-79EE-4328A084DA3F}"/>
-              </a:ext>
-            </a:extLst>
-          </p:cNvPr>
+          <p:cNvPr id="6" name="Footer Placeholder 5"/>
           <p:cNvSpPr>
             <a:spLocks noGrp="1"/>
           </p:cNvSpPr>
@@ -2693,7 +2840,12 @@
             <p:ph type="ftr" sz="quarter" idx="11"/>
           </p:nvPr>
         </p:nvSpPr>
-        <p:spPr/>
+        <p:spPr>
+          <a:xfrm>
+            <a:off x="1447382" y="318640"/>
+            <a:ext cx="5541004" cy="320931"/>
+          </a:xfrm>
+        </p:spPr>
         <p:txBody>
           <a:bodyPr/>
           <a:lstStyle/>
@@ -2704,13 +2856,7 @@
       </p:sp>
       <p:sp>
         <p:nvSpPr>
-          <p:cNvPr id="7" name="Slide Number Placeholder 6">
-            <a:extLst>
-              <a:ext uri="{FF2B5EF4-FFF2-40B4-BE49-F238E27FC236}">
-                <a16:creationId xmlns:a16="http://schemas.microsoft.com/office/drawing/2014/main" id="{FF95A933-0228-5B85-7392-D2174E356A4B}"/>
-              </a:ext>
-            </a:extLst>
-          </p:cNvPr>
+          <p:cNvPr id="7" name="Slide Number Placeholder 6"/>
           <p:cNvSpPr>
             <a:spLocks noGrp="1"/>
           </p:cNvSpPr>
@@ -2731,10 +2877,41 @@
           </a:p>
         </p:txBody>
       </p:sp>
+      <p:cxnSp>
+        <p:nvCxnSpPr>
+          <p:cNvPr id="31" name="Straight Connector 30"/>
+          <p:cNvCxnSpPr/>
+          <p:nvPr/>
+        </p:nvCxnSpPr>
+        <p:spPr>
+          <a:xfrm>
+            <a:off x="1447382" y="3143605"/>
+            <a:ext cx="5527351" cy="0"/>
+          </a:xfrm>
+          <a:prstGeom prst="line">
+            <a:avLst/>
+          </a:prstGeom>
+          <a:ln w="31750"/>
+        </p:spPr>
+        <p:style>
+          <a:lnRef idx="3">
+            <a:schemeClr val="accent1"/>
+          </a:lnRef>
+          <a:fillRef idx="0">
+            <a:schemeClr val="accent1"/>
+          </a:fillRef>
+          <a:effectRef idx="2">
+            <a:schemeClr val="accent1"/>
+          </a:effectRef>
+          <a:fontRef idx="minor">
+            <a:schemeClr val="tx1"/>
+          </a:fontRef>
+        </p:style>
+      </p:cxnSp>
     </p:spTree>
     <p:extLst>
       <p:ext uri="{BB962C8B-B14F-4D97-AF65-F5344CB8AC3E}">
-        <p14:creationId xmlns:p14="http://schemas.microsoft.com/office/powerpoint/2010/main" val="4086775505"/>
+        <p14:creationId xmlns:p14="http://schemas.microsoft.com/office/powerpoint/2010/main" val="4015449696"/>
       </p:ext>
     </p:extLst>
   </p:cSld>
@@ -2748,8 +2925,8 @@
 <p:sldMaster xmlns:a="http://schemas.openxmlformats.org/drawingml/2006/main" xmlns:r="http://schemas.openxmlformats.org/officeDocument/2006/relationships" xmlns:p="http://schemas.openxmlformats.org/presentationml/2006/main">
   <p:cSld>
     <p:bg>
-      <p:bgRef idx="1001">
-        <a:schemeClr val="bg1"/>
+      <p:bgRef idx="1003">
+        <a:schemeClr val="bg2"/>
       </p:bgRef>
     </p:bg>
     <p:spTree>
@@ -2768,139 +2945,200 @@
       </p:grpSpPr>
       <p:sp>
         <p:nvSpPr>
-          <p:cNvPr id="2" name="Title Placeholder 1">
+          <p:cNvPr id="8" name="Rectangle 7"/>
+          <p:cNvSpPr/>
+          <p:nvPr/>
+        </p:nvSpPr>
+        <p:spPr>
+          <a:xfrm>
+            <a:off x="0" y="2019476"/>
+            <a:ext cx="12192000" cy="4105941"/>
+          </a:xfrm>
+          <a:prstGeom prst="rect">
+            <a:avLst/>
+          </a:prstGeom>
+          <a:gradFill flip="none" rotWithShape="1">
+            <a:gsLst>
+              <a:gs pos="0">
+                <a:schemeClr val="bg2">
+                  <a:alpha val="0"/>
+                </a:schemeClr>
+              </a:gs>
+              <a:gs pos="100000">
+                <a:schemeClr val="bg2"/>
+              </a:gs>
+            </a:gsLst>
+            <a:lin ang="5400000" scaled="0"/>
+            <a:tileRect/>
+          </a:gradFill>
+          <a:ln>
+            <a:noFill/>
+          </a:ln>
+        </p:spPr>
+        <p:style>
+          <a:lnRef idx="2">
+            <a:schemeClr val="accent1">
+              <a:shade val="50000"/>
+            </a:schemeClr>
+          </a:lnRef>
+          <a:fillRef idx="1">
+            <a:schemeClr val="accent1"/>
+          </a:fillRef>
+          <a:effectRef idx="0">
+            <a:schemeClr val="accent1"/>
+          </a:effectRef>
+          <a:fontRef idx="minor">
+            <a:schemeClr val="lt1"/>
+          </a:fontRef>
+        </p:style>
+      </p:sp>
+      <p:pic>
+        <p:nvPicPr>
+          <p:cNvPr id="7" name="Picture 6"/>
+          <p:cNvPicPr>
+            <a:picLocks noChangeAspect="1"/>
+          </p:cNvPicPr>
+          <p:nvPr/>
+        </p:nvPicPr>
+        <p:blipFill rotWithShape="1">
+          <a:blip r:embed="rId13">
             <a:extLst>
-              <a:ext uri="{FF2B5EF4-FFF2-40B4-BE49-F238E27FC236}">
-                <a16:creationId xmlns:a16="http://schemas.microsoft.com/office/drawing/2014/main" id="{866199B3-1A03-6A18-53B5-A05BFBB4ABDD}"/>
+              <a:ext uri="{28A0092B-C50C-407E-A947-70E740481C1C}">
+                <a14:useLocalDpi xmlns:a14="http://schemas.microsoft.com/office/drawing/2010/main" val="0"/>
               </a:ext>
             </a:extLst>
-          </p:cNvPr>
-          <p:cNvSpPr>
-            <a:spLocks noGrp="1"/>
-          </p:cNvSpPr>
-          <p:nvPr>
-            <p:ph type="title"/>
-          </p:nvPr>
-        </p:nvSpPr>
-        <p:spPr>
+          </a:blip>
+          <a:srcRect t="1538" b="-1538"/>
+          <a:stretch/>
+        </p:blipFill>
+        <p:spPr bwMode="black">
           <a:xfrm>
-            <a:off x="838200" y="365125"/>
-            <a:ext cx="10515600" cy="1325563"/>
+            <a:off x="0" y="6126480"/>
+            <a:ext cx="12192000" cy="742950"/>
           </a:xfrm>
           <a:prstGeom prst="rect">
             <a:avLst/>
           </a:prstGeom>
         </p:spPr>
-        <p:txBody>
-          <a:bodyPr vert="horz" lIns="91440" tIns="45720" rIns="91440" bIns="45720" rtlCol="0" anchor="ctr">
-            <a:normAutofit/>
-          </a:bodyPr>
-          <a:lstStyle/>
-          <a:p>
-            <a:r>
-              <a:rPr lang="en-US"/>
-              <a:t>Click to edit Master title style</a:t>
-            </a:r>
-          </a:p>
-        </p:txBody>
-      </p:sp>
-      <p:sp>
-        <p:nvSpPr>
-          <p:cNvPr id="3" name="Text Placeholder 2">
-            <a:extLst>
-              <a:ext uri="{FF2B5EF4-FFF2-40B4-BE49-F238E27FC236}">
-                <a16:creationId xmlns:a16="http://schemas.microsoft.com/office/drawing/2014/main" id="{6C3BAD92-989A-B6FA-5B79-6E496CD6EFBF}"/>
-              </a:ext>
-            </a:extLst>
-          </p:cNvPr>
-          <p:cNvSpPr>
-            <a:spLocks noGrp="1"/>
-          </p:cNvSpPr>
-          <p:nvPr>
-            <p:ph type="body" idx="1"/>
+      </p:pic>
+      <p:sp>
+        <p:nvSpPr>
+          <p:cNvPr id="2" name="Title Placeholder 1"/>
+          <p:cNvSpPr>
+            <a:spLocks noGrp="1"/>
+          </p:cNvSpPr>
+          <p:nvPr>
+            <p:ph type="title"/>
           </p:nvPr>
         </p:nvSpPr>
         <p:spPr>
           <a:xfrm>
-            <a:off x="838200" y="1825625"/>
-            <a:ext cx="10515600" cy="4351338"/>
+            <a:off x="1451579" y="804519"/>
+            <a:ext cx="9603275" cy="1049235"/>
           </a:xfrm>
           <a:prstGeom prst="rect">
             <a:avLst/>
           </a:prstGeom>
         </p:spPr>
         <p:txBody>
-          <a:bodyPr vert="horz" lIns="91440" tIns="45720" rIns="91440" bIns="45720" rtlCol="0">
+          <a:bodyPr vert="horz" lIns="91440" tIns="45720" rIns="91440" bIns="45720" rtlCol="0" anchor="t">
             <a:normAutofit/>
           </a:bodyPr>
           <a:lstStyle/>
           <a:p>
-            <a:pPr lvl="0"/>
-            <a:r>
-              <a:rPr lang="en-US"/>
-              <a:t>Click to edit Master text styles</a:t>
-            </a:r>
-          </a:p>
-          <a:p>
-            <a:pPr lvl="1"/>
-            <a:r>
-              <a:rPr lang="en-US"/>
-              <a:t>Second level</a:t>
-            </a:r>
-          </a:p>
-          <a:p>
-            <a:pPr lvl="2"/>
-            <a:r>
-              <a:rPr lang="en-US"/>
-              <a:t>Third level</a:t>
-            </a:r>
-          </a:p>
-          <a:p>
-            <a:pPr lvl="3"/>
-            <a:r>
-              <a:rPr lang="en-US"/>
-              <a:t>Fourth level</a:t>
-            </a:r>
-          </a:p>
-          <a:p>
-            <a:pPr lvl="4"/>
-            <a:r>
-              <a:rPr lang="en-US"/>
-              <a:t>Fifth level</a:t>
-            </a:r>
-          </a:p>
-        </p:txBody>
-      </p:sp>
-      <p:sp>
-        <p:nvSpPr>
-          <p:cNvPr id="4" name="Date Placeholder 3">
-            <a:extLst>
-              <a:ext uri="{FF2B5EF4-FFF2-40B4-BE49-F238E27FC236}">
-                <a16:creationId xmlns:a16="http://schemas.microsoft.com/office/drawing/2014/main" id="{60330B8B-1DBF-81E1-80AD-8674149DD8A6}"/>
-              </a:ext>
-            </a:extLst>
-          </p:cNvPr>
-          <p:cNvSpPr>
-            <a:spLocks noGrp="1"/>
-          </p:cNvSpPr>
-          <p:nvPr>
-            <p:ph type="dt" sz="half" idx="2"/>
+            <a:r>
+              <a:rPr lang="en-US"/>
+              <a:t>Click to edit Master title style</a:t>
+            </a:r>
+            <a:endParaRPr lang="en-US" dirty="0"/>
+          </a:p>
+        </p:txBody>
+      </p:sp>
+      <p:sp>
+        <p:nvSpPr>
+          <p:cNvPr id="3" name="Text Placeholder 2"/>
+          <p:cNvSpPr>
+            <a:spLocks noGrp="1"/>
+          </p:cNvSpPr>
+          <p:nvPr>
+            <p:ph type="body" idx="1"/>
           </p:nvPr>
         </p:nvSpPr>
         <p:spPr>
           <a:xfrm>
-            <a:off x="838200" y="6356350"/>
-            <a:ext cx="2743200" cy="365125"/>
+            <a:off x="1451579" y="2015732"/>
+            <a:ext cx="9603275" cy="3450613"/>
           </a:xfrm>
           <a:prstGeom prst="rect">
             <a:avLst/>
           </a:prstGeom>
         </p:spPr>
         <p:txBody>
+          <a:bodyPr vert="horz" lIns="91440" tIns="45720" rIns="91440" bIns="45720" rtlCol="0">
+            <a:normAutofit/>
+          </a:bodyPr>
+          <a:lstStyle/>
+          <a:p>
+            <a:pPr lvl="0"/>
+            <a:r>
+              <a:rPr lang="en-US" dirty="0"/>
+              <a:t>Edit Master text styles</a:t>
+            </a:r>
+          </a:p>
+          <a:p>
+            <a:pPr lvl="1"/>
+            <a:r>
+              <a:rPr lang="en-US" dirty="0"/>
+              <a:t>Second level</a:t>
+            </a:r>
+          </a:p>
+          <a:p>
+            <a:pPr lvl="2"/>
+            <a:r>
+              <a:rPr lang="en-US" dirty="0"/>
+              <a:t>Third level</a:t>
+            </a:r>
+          </a:p>
+          <a:p>
+            <a:pPr lvl="3"/>
+            <a:r>
+              <a:rPr lang="en-US" dirty="0"/>
+              <a:t>Fourth level</a:t>
+            </a:r>
+          </a:p>
+          <a:p>
+            <a:pPr lvl="4"/>
+            <a:r>
+              <a:rPr lang="en-US" dirty="0"/>
+              <a:t>Fifth level</a:t>
+            </a:r>
+          </a:p>
+        </p:txBody>
+      </p:sp>
+      <p:sp>
+        <p:nvSpPr>
+          <p:cNvPr id="4" name="Date Placeholder 3"/>
+          <p:cNvSpPr>
+            <a:spLocks noGrp="1"/>
+          </p:cNvSpPr>
+          <p:nvPr>
+            <p:ph type="dt" sz="half" idx="2"/>
+          </p:nvPr>
+        </p:nvSpPr>
+        <p:spPr>
+          <a:xfrm>
+            <a:off x="7554138" y="330370"/>
+            <a:ext cx="3500715" cy="309201"/>
+          </a:xfrm>
+          <a:prstGeom prst="rect">
+            <a:avLst/>
+          </a:prstGeom>
+        </p:spPr>
+        <p:txBody>
           <a:bodyPr vert="horz" lIns="91440" tIns="45720" rIns="91440" bIns="45720" rtlCol="0" anchor="ctr"/>
           <a:lstStyle>
-            <a:lvl1pPr algn="l">
-              <a:defRPr sz="1200">
+            <a:lvl1pPr algn="r">
+              <a:defRPr sz="1000">
                 <a:solidFill>
                   <a:schemeClr val="tx1">
                     <a:tint val="75000"/>
@@ -2912,7 +3150,7 @@
           <a:p>
             <a:fld id="{FC0DE6DF-3DC7-4EE7-B084-08B91895BF9D}" type="datetimeFigureOut">
               <a:rPr lang="en-US" smtClean="0"/>
-              <a:t>4/15/2023</a:t>
+              <a:t>4/30/2023</a:t>
             </a:fld>
             <a:endParaRPr lang="en-US"/>
           </a:p>
@@ -2920,13 +3158,7 @@
       </p:sp>
       <p:sp>
         <p:nvSpPr>
-          <p:cNvPr id="5" name="Footer Placeholder 4">
-            <a:extLst>
-              <a:ext uri="{FF2B5EF4-FFF2-40B4-BE49-F238E27FC236}">
-                <a16:creationId xmlns:a16="http://schemas.microsoft.com/office/drawing/2014/main" id="{262C441B-7771-7D04-CA8B-86E570702C2A}"/>
-              </a:ext>
-            </a:extLst>
-          </p:cNvPr>
+          <p:cNvPr id="5" name="Footer Placeholder 4"/>
           <p:cNvSpPr>
             <a:spLocks noGrp="1"/>
           </p:cNvSpPr>
@@ -2936,8 +3168,8 @@
         </p:nvSpPr>
         <p:spPr>
           <a:xfrm>
-            <a:off x="4038600" y="6356350"/>
-            <a:ext cx="4114800" cy="365125"/>
+            <a:off x="1451579" y="329307"/>
+            <a:ext cx="5938836" cy="309201"/>
           </a:xfrm>
           <a:prstGeom prst="rect">
             <a:avLst/>
@@ -2946,8 +3178,8 @@
         <p:txBody>
           <a:bodyPr vert="horz" lIns="91440" tIns="45720" rIns="91440" bIns="45720" rtlCol="0" anchor="ctr"/>
           <a:lstStyle>
-            <a:lvl1pPr algn="ctr">
-              <a:defRPr sz="1200">
+            <a:lvl1pPr algn="l">
+              <a:defRPr sz="1000">
                 <a:solidFill>
                   <a:schemeClr val="tx1">
                     <a:tint val="75000"/>
@@ -2963,13 +3195,7 @@
       </p:sp>
       <p:sp>
         <p:nvSpPr>
-          <p:cNvPr id="6" name="Slide Number Placeholder 5">
-            <a:extLst>
-              <a:ext uri="{FF2B5EF4-FFF2-40B4-BE49-F238E27FC236}">
-                <a16:creationId xmlns:a16="http://schemas.microsoft.com/office/drawing/2014/main" id="{53189616-37D5-EF2F-D437-E114054C3CF9}"/>
-              </a:ext>
-            </a:extLst>
-          </p:cNvPr>
+          <p:cNvPr id="6" name="Slide Number Placeholder 5"/>
           <p:cNvSpPr>
             <a:spLocks noGrp="1"/>
           </p:cNvSpPr>
@@ -2979,22 +3205,20 @@
         </p:nvSpPr>
         <p:spPr>
           <a:xfrm>
-            <a:off x="8610600" y="6356350"/>
-            <a:ext cx="2743200" cy="365125"/>
+            <a:off x="480060" y="798973"/>
+            <a:ext cx="811019" cy="503578"/>
           </a:xfrm>
           <a:prstGeom prst="rect">
             <a:avLst/>
           </a:prstGeom>
         </p:spPr>
         <p:txBody>
-          <a:bodyPr vert="horz" lIns="91440" tIns="45720" rIns="91440" bIns="45720" rtlCol="0" anchor="ctr"/>
+          <a:bodyPr vert="horz" lIns="91440" tIns="45720" rIns="91440" bIns="45720" rtlCol="0" anchor="t"/>
           <a:lstStyle>
             <a:lvl1pPr algn="r">
-              <a:defRPr sz="1200">
+              <a:defRPr sz="2800">
                 <a:solidFill>
-                  <a:schemeClr val="tx1">
-                    <a:tint val="75000"/>
-                  </a:schemeClr>
+                  <a:schemeClr val="accent1"/>
                 </a:solidFill>
               </a:defRPr>
             </a:lvl1pPr>
@@ -3008,26 +3232,63 @@
           </a:p>
         </p:txBody>
       </p:sp>
+      <p:cxnSp>
+        <p:nvCxnSpPr>
+          <p:cNvPr id="10" name="Straight Connector 9"/>
+          <p:cNvCxnSpPr/>
+          <p:nvPr/>
+        </p:nvCxnSpPr>
+        <p:spPr>
+          <a:xfrm>
+            <a:off x="0" y="6128413"/>
+            <a:ext cx="12192000" cy="0"/>
+          </a:xfrm>
+          <a:prstGeom prst="line">
+            <a:avLst/>
+          </a:prstGeom>
+          <a:ln w="12700">
+            <a:solidFill>
+              <a:srgbClr val="000001">
+                <a:alpha val="20000"/>
+              </a:srgbClr>
+            </a:solidFill>
+          </a:ln>
+        </p:spPr>
+        <p:style>
+          <a:lnRef idx="1">
+            <a:schemeClr val="accent1"/>
+          </a:lnRef>
+          <a:fillRef idx="0">
+            <a:schemeClr val="accent1"/>
+          </a:fillRef>
+          <a:effectRef idx="0">
+            <a:schemeClr val="accent1"/>
+          </a:effectRef>
+          <a:fontRef idx="minor">
+            <a:schemeClr val="tx1"/>
+          </a:fontRef>
+        </p:style>
+      </p:cxnSp>
     </p:spTree>
     <p:extLst>
       <p:ext uri="{BB962C8B-B14F-4D97-AF65-F5344CB8AC3E}">
-        <p14:creationId xmlns:p14="http://schemas.microsoft.com/office/powerpoint/2010/main" val="3089483178"/>
+        <p14:creationId xmlns:p14="http://schemas.microsoft.com/office/powerpoint/2010/main" val="1002454454"/>
       </p:ext>
     </p:extLst>
   </p:cSld>
   <p:clrMap bg1="lt1" tx1="dk1" bg2="lt2" tx2="dk2" accent1="accent1" accent2="accent2" accent3="accent3" accent4="accent4" accent5="accent5" accent6="accent6" hlink="hlink" folHlink="folHlink"/>
   <p:sldLayoutIdLst>
-    <p:sldLayoutId id="2147483649" r:id="rId1"/>
-    <p:sldLayoutId id="2147483650" r:id="rId2"/>
-    <p:sldLayoutId id="2147483651" r:id="rId3"/>
-    <p:sldLayoutId id="2147483652" r:id="rId4"/>
-    <p:sldLayoutId id="2147483653" r:id="rId5"/>
-    <p:sldLayoutId id="2147483654" r:id="rId6"/>
-    <p:sldLayoutId id="2147483655" r:id="rId7"/>
-    <p:sldLayoutId id="2147483656" r:id="rId8"/>
-    <p:sldLayoutId id="2147483657" r:id="rId9"/>
-    <p:sldLayoutId id="2147483658" r:id="rId10"/>
-    <p:sldLayoutId id="2147483659" r:id="rId11"/>
+    <p:sldLayoutId id="2147483703" r:id="rId1"/>
+    <p:sldLayoutId id="2147483704" r:id="rId2"/>
+    <p:sldLayoutId id="2147483705" r:id="rId3"/>
+    <p:sldLayoutId id="2147483706" r:id="rId4"/>
+    <p:sldLayoutId id="2147483707" r:id="rId5"/>
+    <p:sldLayoutId id="2147483708" r:id="rId6"/>
+    <p:sldLayoutId id="2147483709" r:id="rId7"/>
+    <p:sldLayoutId id="2147483710" r:id="rId8"/>
+    <p:sldLayoutId id="2147483711" r:id="rId9"/>
+    <p:sldLayoutId id="2147483712" r:id="rId10"/>
+    <p:sldLayoutId id="2147483713" r:id="rId11"/>
   </p:sldLayoutIdLst>
   <p:txStyles>
     <p:titleStyle>
@@ -3039,10 +3300,11 @@
           <a:spcPct val="0"/>
         </a:spcBef>
         <a:buNone/>
-        <a:defRPr sz="4400" kern="1200">
+        <a:defRPr sz="3200" b="0" i="0" kern="1200" cap="all">
           <a:solidFill>
             <a:schemeClr val="tx1"/>
           </a:solidFill>
+          <a:effectLst/>
           <a:latin typeface="+mj-lt"/>
           <a:ea typeface="+mj-ea"/>
           <a:cs typeface="+mj-cs"/>
@@ -3052,17 +3314,22 @@
     <p:bodyStyle>
       <a:lvl1pPr marL="228600" indent="-228600" algn="l" defTabSz="914400" rtl="0" eaLnBrk="1" latinLnBrk="0" hangingPunct="1">
         <a:lnSpc>
-          <a:spcPct val="90000"/>
+          <a:spcPct val="120000"/>
         </a:lnSpc>
         <a:spcBef>
           <a:spcPts val="1000"/>
         </a:spcBef>
+        <a:buClr>
+          <a:schemeClr val="accent1"/>
+        </a:buClr>
+        <a:buSzPct val="100000"/>
         <a:buFont typeface="Arial" panose="020B0604020202020204" pitchFamily="34" charset="0"/>
         <a:buChar char="•"/>
-        <a:defRPr sz="2800" kern="1200">
+        <a:defRPr sz="2000" kern="1200">
           <a:solidFill>
             <a:schemeClr val="tx1"/>
           </a:solidFill>
+          <a:effectLst/>
           <a:latin typeface="+mn-lt"/>
           <a:ea typeface="+mn-ea"/>
           <a:cs typeface="+mn-cs"/>
@@ -3070,17 +3337,22 @@
       </a:lvl1pPr>
       <a:lvl2pPr marL="685800" indent="-228600" algn="l" defTabSz="914400" rtl="0" eaLnBrk="1" latinLnBrk="0" hangingPunct="1">
         <a:lnSpc>
-          <a:spcPct val="90000"/>
+          <a:spcPct val="120000"/>
         </a:lnSpc>
         <a:spcBef>
           <a:spcPts val="500"/>
         </a:spcBef>
+        <a:buClr>
+          <a:schemeClr val="accent1"/>
+        </a:buClr>
+        <a:buSzPct val="100000"/>
         <a:buFont typeface="Arial" panose="020B0604020202020204" pitchFamily="34" charset="0"/>
         <a:buChar char="•"/>
-        <a:defRPr sz="2400" kern="1200">
+        <a:defRPr sz="1800" kern="1200" cap="none" baseline="0">
           <a:solidFill>
             <a:schemeClr val="tx1"/>
           </a:solidFill>
+          <a:effectLst/>
           <a:latin typeface="+mn-lt"/>
           <a:ea typeface="+mn-ea"/>
           <a:cs typeface="+mn-cs"/>
@@ -3088,17 +3360,22 @@
       </a:lvl2pPr>
       <a:lvl3pPr marL="1143000" indent="-228600" algn="l" defTabSz="914400" rtl="0" eaLnBrk="1" latinLnBrk="0" hangingPunct="1">
         <a:lnSpc>
-          <a:spcPct val="90000"/>
+          <a:spcPct val="120000"/>
         </a:lnSpc>
         <a:spcBef>
           <a:spcPts val="500"/>
         </a:spcBef>
+        <a:buClr>
+          <a:schemeClr val="accent1"/>
+        </a:buClr>
+        <a:buSzPct val="100000"/>
         <a:buFont typeface="Arial" panose="020B0604020202020204" pitchFamily="34" charset="0"/>
         <a:buChar char="•"/>
-        <a:defRPr sz="2000" kern="1200">
+        <a:defRPr sz="1600" kern="1200">
           <a:solidFill>
             <a:schemeClr val="tx1"/>
           </a:solidFill>
+          <a:effectLst/>
           <a:latin typeface="+mn-lt"/>
           <a:ea typeface="+mn-ea"/>
           <a:cs typeface="+mn-cs"/>
@@ -3106,17 +3383,22 @@
       </a:lvl3pPr>
       <a:lvl4pPr marL="1600200" indent="-228600" algn="l" defTabSz="914400" rtl="0" eaLnBrk="1" latinLnBrk="0" hangingPunct="1">
         <a:lnSpc>
-          <a:spcPct val="90000"/>
+          <a:spcPct val="120000"/>
         </a:lnSpc>
         <a:spcBef>
           <a:spcPts val="500"/>
         </a:spcBef>
+        <a:buClr>
+          <a:schemeClr val="accent1"/>
+        </a:buClr>
+        <a:buSzPct val="100000"/>
         <a:buFont typeface="Arial" panose="020B0604020202020204" pitchFamily="34" charset="0"/>
         <a:buChar char="•"/>
-        <a:defRPr sz="1800" kern="1200">
+        <a:defRPr sz="1400" kern="1200" cap="none" baseline="0">
           <a:solidFill>
             <a:schemeClr val="tx1"/>
           </a:solidFill>
+          <a:effectLst/>
           <a:latin typeface="+mn-lt"/>
           <a:ea typeface="+mn-ea"/>
           <a:cs typeface="+mn-cs"/>
@@ -3124,17 +3406,22 @@
       </a:lvl4pPr>
       <a:lvl5pPr marL="2057400" indent="-228600" algn="l" defTabSz="914400" rtl="0" eaLnBrk="1" latinLnBrk="0" hangingPunct="1">
         <a:lnSpc>
-          <a:spcPct val="90000"/>
+          <a:spcPct val="120000"/>
         </a:lnSpc>
         <a:spcBef>
           <a:spcPts val="500"/>
         </a:spcBef>
+        <a:buClr>
+          <a:schemeClr val="accent1"/>
+        </a:buClr>
+        <a:buSzPct val="100000"/>
         <a:buFont typeface="Arial" panose="020B0604020202020204" pitchFamily="34" charset="0"/>
         <a:buChar char="•"/>
-        <a:defRPr sz="1800" kern="1200">
+        <a:defRPr sz="1200" kern="1200">
           <a:solidFill>
             <a:schemeClr val="tx1"/>
           </a:solidFill>
+          <a:effectLst/>
           <a:latin typeface="+mn-lt"/>
           <a:ea typeface="+mn-ea"/>
           <a:cs typeface="+mn-cs"/>
@@ -3142,17 +3429,22 @@
       </a:lvl5pPr>
       <a:lvl6pPr marL="2514600" indent="-228600" algn="l" defTabSz="914400" rtl="0" eaLnBrk="1" latinLnBrk="0" hangingPunct="1">
         <a:lnSpc>
-          <a:spcPct val="90000"/>
+          <a:spcPct val="120000"/>
         </a:lnSpc>
         <a:spcBef>
           <a:spcPts val="500"/>
         </a:spcBef>
+        <a:buClr>
+          <a:schemeClr val="accent1"/>
+        </a:buClr>
+        <a:buSzPct val="100000"/>
         <a:buFont typeface="Arial" panose="020B0604020202020204" pitchFamily="34" charset="0"/>
         <a:buChar char="•"/>
-        <a:defRPr sz="1800" kern="1200">
+        <a:defRPr sz="1200" kern="1200">
           <a:solidFill>
             <a:schemeClr val="tx1"/>
           </a:solidFill>
+          <a:effectLst/>
           <a:latin typeface="+mn-lt"/>
           <a:ea typeface="+mn-ea"/>
           <a:cs typeface="+mn-cs"/>
@@ -3160,17 +3452,22 @@
       </a:lvl6pPr>
       <a:lvl7pPr marL="2971800" indent="-228600" algn="l" defTabSz="914400" rtl="0" eaLnBrk="1" latinLnBrk="0" hangingPunct="1">
         <a:lnSpc>
-          <a:spcPct val="90000"/>
+          <a:spcPct val="120000"/>
         </a:lnSpc>
         <a:spcBef>
           <a:spcPts val="500"/>
         </a:spcBef>
+        <a:buClr>
+          <a:schemeClr val="accent1"/>
+        </a:buClr>
+        <a:buSzPct val="100000"/>
         <a:buFont typeface="Arial" panose="020B0604020202020204" pitchFamily="34" charset="0"/>
         <a:buChar char="•"/>
-        <a:defRPr sz="1800" kern="1200">
+        <a:defRPr sz="1200" kern="1200">
           <a:solidFill>
             <a:schemeClr val="tx1"/>
           </a:solidFill>
+          <a:effectLst/>
           <a:latin typeface="+mn-lt"/>
           <a:ea typeface="+mn-ea"/>
           <a:cs typeface="+mn-cs"/>
@@ -3178,17 +3475,22 @@
       </a:lvl7pPr>
       <a:lvl8pPr marL="3429000" indent="-228600" algn="l" defTabSz="914400" rtl="0" eaLnBrk="1" latinLnBrk="0" hangingPunct="1">
         <a:lnSpc>
-          <a:spcPct val="90000"/>
+          <a:spcPct val="120000"/>
         </a:lnSpc>
         <a:spcBef>
           <a:spcPts val="500"/>
         </a:spcBef>
+        <a:buClr>
+          <a:schemeClr val="accent1"/>
+        </a:buClr>
+        <a:buSzPct val="100000"/>
         <a:buFont typeface="Arial" panose="020B0604020202020204" pitchFamily="34" charset="0"/>
         <a:buChar char="•"/>
-        <a:defRPr sz="1800" kern="1200">
+        <a:defRPr sz="1200" kern="1200" baseline="0">
           <a:solidFill>
             <a:schemeClr val="tx1"/>
           </a:solidFill>
+          <a:effectLst/>
           <a:latin typeface="+mn-lt"/>
           <a:ea typeface="+mn-ea"/>
           <a:cs typeface="+mn-cs"/>
@@ -3196,17 +3498,22 @@
       </a:lvl8pPr>
       <a:lvl9pPr marL="3886200" indent="-228600" algn="l" defTabSz="914400" rtl="0" eaLnBrk="1" latinLnBrk="0" hangingPunct="1">
         <a:lnSpc>
-          <a:spcPct val="90000"/>
+          <a:spcPct val="120000"/>
         </a:lnSpc>
         <a:spcBef>
           <a:spcPts val="500"/>
         </a:spcBef>
+        <a:buClr>
+          <a:schemeClr val="accent1"/>
+        </a:buClr>
+        <a:buSzPct val="100000"/>
         <a:buFont typeface="Arial" panose="020B0604020202020204" pitchFamily="34" charset="0"/>
         <a:buChar char="•"/>
-        <a:defRPr sz="1800" kern="1200">
+        <a:defRPr sz="1200" kern="1200" baseline="0">
           <a:solidFill>
             <a:schemeClr val="tx1"/>
           </a:solidFill>
+          <a:effectLst/>
           <a:latin typeface="+mn-lt"/>
           <a:ea typeface="+mn-ea"/>
           <a:cs typeface="+mn-cs"/>
@@ -3404,6 +3711,627 @@
 </p:sld>
 </file>
 
+<file path=ppt/slides/slide10.xml><?xml version="1.0" encoding="utf-8"?>
+<p:sld xmlns:a="http://schemas.openxmlformats.org/drawingml/2006/main" xmlns:r="http://schemas.openxmlformats.org/officeDocument/2006/relationships" xmlns:p="http://schemas.openxmlformats.org/presentationml/2006/main">
+  <p:cSld>
+    <p:spTree>
+      <p:nvGrpSpPr>
+        <p:cNvPr id="1" name=""/>
+        <p:cNvGrpSpPr/>
+        <p:nvPr/>
+      </p:nvGrpSpPr>
+      <p:grpSpPr>
+        <a:xfrm>
+          <a:off x="0" y="0"/>
+          <a:ext cx="0" cy="0"/>
+          <a:chOff x="0" y="0"/>
+          <a:chExt cx="0" cy="0"/>
+        </a:xfrm>
+      </p:grpSpPr>
+      <p:sp>
+        <p:nvSpPr>
+          <p:cNvPr id="2" name="Title 1">
+            <a:extLst>
+              <a:ext uri="{FF2B5EF4-FFF2-40B4-BE49-F238E27FC236}">
+                <a16:creationId xmlns:a16="http://schemas.microsoft.com/office/drawing/2014/main" id="{14B7789E-75B0-9A0F-9D88-99F8405D73F3}"/>
+              </a:ext>
+            </a:extLst>
+          </p:cNvPr>
+          <p:cNvSpPr>
+            <a:spLocks noGrp="1"/>
+          </p:cNvSpPr>
+          <p:nvPr>
+            <p:ph type="title"/>
+          </p:nvPr>
+        </p:nvSpPr>
+        <p:spPr/>
+        <p:txBody>
+          <a:bodyPr/>
+          <a:lstStyle/>
+          <a:p>
+            <a:r>
+              <a:rPr lang="en-US" dirty="0"/>
+              <a:t>Regression</a:t>
+            </a:r>
+          </a:p>
+        </p:txBody>
+      </p:sp>
+      <p:sp>
+        <p:nvSpPr>
+          <p:cNvPr id="3" name="Content Placeholder 2">
+            <a:extLst>
+              <a:ext uri="{FF2B5EF4-FFF2-40B4-BE49-F238E27FC236}">
+                <a16:creationId xmlns:a16="http://schemas.microsoft.com/office/drawing/2014/main" id="{FEEF1C01-F078-2463-4CD8-2ECBFCA36AFC}"/>
+              </a:ext>
+            </a:extLst>
+          </p:cNvPr>
+          <p:cNvSpPr>
+            <a:spLocks noGrp="1"/>
+          </p:cNvSpPr>
+          <p:nvPr>
+            <p:ph idx="1"/>
+          </p:nvPr>
+        </p:nvSpPr>
+        <p:spPr>
+          <a:xfrm>
+            <a:off x="1066568" y="2031774"/>
+            <a:ext cx="9603275" cy="3450613"/>
+          </a:xfrm>
+        </p:spPr>
+        <p:txBody>
+          <a:bodyPr>
+            <a:normAutofit fontScale="92500" lnSpcReduction="10000"/>
+          </a:bodyPr>
+          <a:lstStyle/>
+          <a:p>
+            <a:r>
+              <a:rPr lang="en-US" dirty="0"/>
+              <a:t>Ridge Regression – Similar to Lasso, but does not entirely eliminate features.</a:t>
+            </a:r>
+          </a:p>
+          <a:p>
+            <a:pPr lvl="1"/>
+            <a:r>
+              <a:rPr lang="en-US" dirty="0"/>
+              <a:t>Ridge Score: 0.99393</a:t>
+            </a:r>
+          </a:p>
+          <a:p>
+            <a:pPr lvl="1"/>
+            <a:r>
+              <a:rPr lang="en-US" dirty="0"/>
+              <a:t>Reduced Features Ridge Score: 0.99995</a:t>
+            </a:r>
+          </a:p>
+          <a:p>
+            <a:r>
+              <a:rPr lang="en-US" dirty="0"/>
+              <a:t>Decision Tree</a:t>
+            </a:r>
+          </a:p>
+          <a:p>
+            <a:pPr lvl="1"/>
+            <a:r>
+              <a:rPr lang="en-US" dirty="0"/>
+              <a:t>Decision Tree Score: 0.98373</a:t>
+            </a:r>
+          </a:p>
+          <a:p>
+            <a:pPr lvl="1"/>
+            <a:r>
+              <a:rPr lang="en-US" dirty="0"/>
+              <a:t>Reduced Features Decision Tree Score: 0.99994</a:t>
+            </a:r>
+          </a:p>
+          <a:p>
+            <a:r>
+              <a:rPr lang="en-US" dirty="0"/>
+              <a:t>Random Forest</a:t>
+            </a:r>
+          </a:p>
+          <a:p>
+            <a:pPr lvl="1"/>
+            <a:r>
+              <a:rPr lang="en-US" dirty="0"/>
+              <a:t>Random Forest Score: 0.98751</a:t>
+            </a:r>
+          </a:p>
+          <a:p>
+            <a:pPr lvl="1"/>
+            <a:r>
+              <a:rPr lang="en-US" dirty="0"/>
+              <a:t>Reduced Features Random Forest Score: 0.99979</a:t>
+            </a:r>
+          </a:p>
+        </p:txBody>
+      </p:sp>
+      <p:sp>
+        <p:nvSpPr>
+          <p:cNvPr id="5" name="TextBox 4"/>
+          <p:cNvSpPr txBox="1"/>
+          <p:nvPr/>
+        </p:nvSpPr>
+        <p:spPr>
+          <a:xfrm>
+            <a:off x="7074570" y="2950667"/>
+            <a:ext cx="4652210" cy="2677656"/>
+          </a:xfrm>
+          <a:prstGeom prst="rect">
+            <a:avLst/>
+          </a:prstGeom>
+          <a:noFill/>
+        </p:spPr>
+        <p:txBody>
+          <a:bodyPr wrap="square" rtlCol="0">
+            <a:spAutoFit/>
+          </a:bodyPr>
+          <a:lstStyle/>
+          <a:p>
+            <a:r>
+              <a:rPr lang="en-US" sz="2400" b="1" dirty="0"/>
+              <a:t>Result:</a:t>
+            </a:r>
+          </a:p>
+          <a:p>
+            <a:pPr marL="342900" indent="-342900">
+              <a:buFont typeface="Arial" panose="020B0604020202020204" pitchFamily="34" charset="0"/>
+              <a:buChar char="•"/>
+            </a:pPr>
+            <a:r>
+              <a:rPr lang="en-US" sz="2400" dirty="0"/>
+              <a:t>The Ridge model is the most accurate predictor.</a:t>
+            </a:r>
+          </a:p>
+          <a:p>
+            <a:pPr marL="342900" indent="-342900">
+              <a:buFont typeface="Arial" panose="020B0604020202020204" pitchFamily="34" charset="0"/>
+              <a:buChar char="•"/>
+            </a:pPr>
+            <a:r>
+              <a:rPr lang="en-US" sz="2400" dirty="0"/>
+              <a:t>Reducing the number of features produces more accurate results.</a:t>
+            </a:r>
+          </a:p>
+          <a:p>
+            <a:endParaRPr lang="en-US" sz="2400" dirty="0"/>
+          </a:p>
+        </p:txBody>
+      </p:sp>
+    </p:spTree>
+    <p:extLst>
+      <p:ext uri="{BB962C8B-B14F-4D97-AF65-F5344CB8AC3E}">
+        <p14:creationId xmlns:p14="http://schemas.microsoft.com/office/powerpoint/2010/main" val="1139178148"/>
+      </p:ext>
+    </p:extLst>
+  </p:cSld>
+  <p:clrMapOvr>
+    <a:masterClrMapping/>
+  </p:clrMapOvr>
+</p:sld>
+</file>
+
+<file path=ppt/slides/slide11.xml><?xml version="1.0" encoding="utf-8"?>
+<p:sld xmlns:a="http://schemas.openxmlformats.org/drawingml/2006/main" xmlns:r="http://schemas.openxmlformats.org/officeDocument/2006/relationships" xmlns:p="http://schemas.openxmlformats.org/presentationml/2006/main">
+  <p:cSld>
+    <p:spTree>
+      <p:nvGrpSpPr>
+        <p:cNvPr id="1" name=""/>
+        <p:cNvGrpSpPr/>
+        <p:nvPr/>
+      </p:nvGrpSpPr>
+      <p:grpSpPr>
+        <a:xfrm>
+          <a:off x="0" y="0"/>
+          <a:ext cx="0" cy="0"/>
+          <a:chOff x="0" y="0"/>
+          <a:chExt cx="0" cy="0"/>
+        </a:xfrm>
+      </p:grpSpPr>
+      <p:sp>
+        <p:nvSpPr>
+          <p:cNvPr id="2" name="Title 1">
+            <a:extLst>
+              <a:ext uri="{FF2B5EF4-FFF2-40B4-BE49-F238E27FC236}">
+                <a16:creationId xmlns:a16="http://schemas.microsoft.com/office/drawing/2014/main" id="{0AB50EA6-9C79-2679-0CAA-6B21A77D3393}"/>
+              </a:ext>
+            </a:extLst>
+          </p:cNvPr>
+          <p:cNvSpPr>
+            <a:spLocks noGrp="1"/>
+          </p:cNvSpPr>
+          <p:nvPr>
+            <p:ph type="title"/>
+          </p:nvPr>
+        </p:nvSpPr>
+        <p:spPr/>
+        <p:txBody>
+          <a:bodyPr/>
+          <a:lstStyle/>
+          <a:p>
+            <a:r>
+              <a:rPr lang="en-US" dirty="0"/>
+              <a:t>Simulation</a:t>
+            </a:r>
+          </a:p>
+        </p:txBody>
+      </p:sp>
+      <p:sp>
+        <p:nvSpPr>
+          <p:cNvPr id="3" name="Content Placeholder 2">
+            <a:extLst>
+              <a:ext uri="{FF2B5EF4-FFF2-40B4-BE49-F238E27FC236}">
+                <a16:creationId xmlns:a16="http://schemas.microsoft.com/office/drawing/2014/main" id="{5546045D-8970-D223-60CC-A9A17A936D9E}"/>
+              </a:ext>
+            </a:extLst>
+          </p:cNvPr>
+          <p:cNvSpPr>
+            <a:spLocks noGrp="1"/>
+          </p:cNvSpPr>
+          <p:nvPr>
+            <p:ph idx="1"/>
+          </p:nvPr>
+        </p:nvSpPr>
+        <p:spPr>
+          <a:xfrm>
+            <a:off x="1451579" y="2015732"/>
+            <a:ext cx="3682483" cy="3450613"/>
+          </a:xfrm>
+        </p:spPr>
+        <p:txBody>
+          <a:bodyPr/>
+          <a:lstStyle/>
+          <a:p>
+            <a:r>
+              <a:rPr lang="en-US" dirty="0"/>
+              <a:t>Using the best Predictor, simulate data to find combination that yields the highest Rating</a:t>
+            </a:r>
+          </a:p>
+          <a:p>
+            <a:endParaRPr lang="en-US" dirty="0"/>
+          </a:p>
+        </p:txBody>
+      </p:sp>
+      <p:pic>
+        <p:nvPicPr>
+          <p:cNvPr id="5" name="Picture 4">
+            <a:extLst>
+              <a:ext uri="{FF2B5EF4-FFF2-40B4-BE49-F238E27FC236}">
+                <a16:creationId xmlns:a16="http://schemas.microsoft.com/office/drawing/2014/main" id="{EAA29E16-6920-6AC6-6E61-8B79D7DF03EC}"/>
+              </a:ext>
+            </a:extLst>
+          </p:cNvPr>
+          <p:cNvPicPr>
+            <a:picLocks noChangeAspect="1"/>
+          </p:cNvPicPr>
+          <p:nvPr/>
+        </p:nvPicPr>
+        <p:blipFill>
+          <a:blip r:embed="rId2"/>
+          <a:stretch>
+            <a:fillRect/>
+          </a:stretch>
+        </p:blipFill>
+        <p:spPr>
+          <a:xfrm>
+            <a:off x="6096000" y="1153049"/>
+            <a:ext cx="5076825" cy="3981450"/>
+          </a:xfrm>
+          <a:prstGeom prst="rect">
+            <a:avLst/>
+          </a:prstGeom>
+        </p:spPr>
+      </p:pic>
+      <p:pic>
+        <p:nvPicPr>
+          <p:cNvPr id="7" name="Picture 6">
+            <a:extLst>
+              <a:ext uri="{FF2B5EF4-FFF2-40B4-BE49-F238E27FC236}">
+                <a16:creationId xmlns:a16="http://schemas.microsoft.com/office/drawing/2014/main" id="{FD5D9F14-B75A-CCFF-6D87-4B91AFD67494}"/>
+              </a:ext>
+            </a:extLst>
+          </p:cNvPr>
+          <p:cNvPicPr>
+            <a:picLocks noChangeAspect="1"/>
+          </p:cNvPicPr>
+          <p:nvPr/>
+        </p:nvPicPr>
+        <p:blipFill>
+          <a:blip r:embed="rId3"/>
+          <a:stretch>
+            <a:fillRect/>
+          </a:stretch>
+        </p:blipFill>
+        <p:spPr>
+          <a:xfrm>
+            <a:off x="503514" y="4487716"/>
+            <a:ext cx="5295900" cy="885825"/>
+          </a:xfrm>
+          <a:prstGeom prst="rect">
+            <a:avLst/>
+          </a:prstGeom>
+        </p:spPr>
+      </p:pic>
+    </p:spTree>
+    <p:extLst>
+      <p:ext uri="{BB962C8B-B14F-4D97-AF65-F5344CB8AC3E}">
+        <p14:creationId xmlns:p14="http://schemas.microsoft.com/office/powerpoint/2010/main" val="926442976"/>
+      </p:ext>
+    </p:extLst>
+  </p:cSld>
+  <p:clrMapOvr>
+    <a:masterClrMapping/>
+  </p:clrMapOvr>
+</p:sld>
+</file>
+
+<file path=ppt/slides/slide12.xml><?xml version="1.0" encoding="utf-8"?>
+<p:sld xmlns:a="http://schemas.openxmlformats.org/drawingml/2006/main" xmlns:r="http://schemas.openxmlformats.org/officeDocument/2006/relationships" xmlns:p="http://schemas.openxmlformats.org/presentationml/2006/main">
+  <p:cSld>
+    <p:spTree>
+      <p:nvGrpSpPr>
+        <p:cNvPr id="1" name=""/>
+        <p:cNvGrpSpPr/>
+        <p:nvPr/>
+      </p:nvGrpSpPr>
+      <p:grpSpPr>
+        <a:xfrm>
+          <a:off x="0" y="0"/>
+          <a:ext cx="0" cy="0"/>
+          <a:chOff x="0" y="0"/>
+          <a:chExt cx="0" cy="0"/>
+        </a:xfrm>
+      </p:grpSpPr>
+      <p:sp>
+        <p:nvSpPr>
+          <p:cNvPr id="2" name="Title 1">
+            <a:extLst>
+              <a:ext uri="{FF2B5EF4-FFF2-40B4-BE49-F238E27FC236}">
+                <a16:creationId xmlns:a16="http://schemas.microsoft.com/office/drawing/2014/main" id="{E7442728-640C-E456-E5EA-2BBFC43C2122}"/>
+              </a:ext>
+            </a:extLst>
+          </p:cNvPr>
+          <p:cNvSpPr>
+            <a:spLocks noGrp="1"/>
+          </p:cNvSpPr>
+          <p:nvPr>
+            <p:ph type="title"/>
+          </p:nvPr>
+        </p:nvSpPr>
+        <p:spPr/>
+        <p:txBody>
+          <a:bodyPr/>
+          <a:lstStyle/>
+          <a:p>
+            <a:r>
+              <a:rPr lang="en-US" dirty="0"/>
+              <a:t>Statistics by Region</a:t>
+            </a:r>
+          </a:p>
+        </p:txBody>
+      </p:sp>
+      <p:sp>
+        <p:nvSpPr>
+          <p:cNvPr id="3" name="Content Placeholder 2">
+            <a:extLst>
+              <a:ext uri="{FF2B5EF4-FFF2-40B4-BE49-F238E27FC236}">
+                <a16:creationId xmlns:a16="http://schemas.microsoft.com/office/drawing/2014/main" id="{84207036-E9FE-996B-EB01-14E4C3AB66D7}"/>
+              </a:ext>
+            </a:extLst>
+          </p:cNvPr>
+          <p:cNvSpPr>
+            <a:spLocks noGrp="1"/>
+          </p:cNvSpPr>
+          <p:nvPr>
+            <p:ph idx="1"/>
+          </p:nvPr>
+        </p:nvSpPr>
+        <p:spPr>
+          <a:xfrm>
+            <a:off x="4769267" y="2170545"/>
+            <a:ext cx="2653465" cy="3561360"/>
+          </a:xfrm>
+        </p:spPr>
+        <p:txBody>
+          <a:bodyPr/>
+          <a:lstStyle/>
+          <a:p>
+            <a:r>
+              <a:rPr lang="en-US" dirty="0"/>
+              <a:t>Central America and south America produces some of the highest rated coffee beans.</a:t>
+            </a:r>
+          </a:p>
+          <a:p>
+            <a:r>
+              <a:rPr lang="en-US" dirty="0"/>
+              <a:t>Hawaii produces the coffee beans with the highest value. (USD/gram)</a:t>
+            </a:r>
+          </a:p>
+        </p:txBody>
+      </p:sp>
+      <p:pic>
+        <p:nvPicPr>
+          <p:cNvPr id="5" name="Picture 4">
+            <a:extLst>
+              <a:ext uri="{FF2B5EF4-FFF2-40B4-BE49-F238E27FC236}">
+                <a16:creationId xmlns:a16="http://schemas.microsoft.com/office/drawing/2014/main" id="{8B7C8473-788E-4CBA-DF56-07ACACD77DCD}"/>
+              </a:ext>
+            </a:extLst>
+          </p:cNvPr>
+          <p:cNvPicPr>
+            <a:picLocks noChangeAspect="1"/>
+          </p:cNvPicPr>
+          <p:nvPr/>
+        </p:nvPicPr>
+        <p:blipFill>
+          <a:blip r:embed="rId2"/>
+          <a:stretch>
+            <a:fillRect/>
+          </a:stretch>
+        </p:blipFill>
+        <p:spPr>
+          <a:xfrm>
+            <a:off x="356386" y="1536183"/>
+            <a:ext cx="4262438" cy="4195721"/>
+          </a:xfrm>
+          <a:prstGeom prst="rect">
+            <a:avLst/>
+          </a:prstGeom>
+        </p:spPr>
+      </p:pic>
+      <p:pic>
+        <p:nvPicPr>
+          <p:cNvPr id="7" name="Picture 6">
+            <a:extLst>
+              <a:ext uri="{FF2B5EF4-FFF2-40B4-BE49-F238E27FC236}">
+                <a16:creationId xmlns:a16="http://schemas.microsoft.com/office/drawing/2014/main" id="{E20FE795-92C6-E47F-9E4B-A333EE523A99}"/>
+              </a:ext>
+            </a:extLst>
+          </p:cNvPr>
+          <p:cNvPicPr>
+            <a:picLocks noChangeAspect="1"/>
+          </p:cNvPicPr>
+          <p:nvPr/>
+        </p:nvPicPr>
+        <p:blipFill>
+          <a:blip r:embed="rId3"/>
+          <a:stretch>
+            <a:fillRect/>
+          </a:stretch>
+        </p:blipFill>
+        <p:spPr>
+          <a:xfrm>
+            <a:off x="7573175" y="1536184"/>
+            <a:ext cx="4360848" cy="4195721"/>
+          </a:xfrm>
+          <a:prstGeom prst="rect">
+            <a:avLst/>
+          </a:prstGeom>
+        </p:spPr>
+      </p:pic>
+    </p:spTree>
+    <p:extLst>
+      <p:ext uri="{BB962C8B-B14F-4D97-AF65-F5344CB8AC3E}">
+        <p14:creationId xmlns:p14="http://schemas.microsoft.com/office/powerpoint/2010/main" val="3144510431"/>
+      </p:ext>
+    </p:extLst>
+  </p:cSld>
+  <p:clrMapOvr>
+    <a:masterClrMapping/>
+  </p:clrMapOvr>
+</p:sld>
+</file>
+
+<file path=ppt/slides/slide13.xml><?xml version="1.0" encoding="utf-8"?>
+<p:sld xmlns:a="http://schemas.openxmlformats.org/drawingml/2006/main" xmlns:r="http://schemas.openxmlformats.org/officeDocument/2006/relationships" xmlns:p="http://schemas.openxmlformats.org/presentationml/2006/main">
+  <p:cSld>
+    <p:spTree>
+      <p:nvGrpSpPr>
+        <p:cNvPr id="1" name=""/>
+        <p:cNvGrpSpPr/>
+        <p:nvPr/>
+      </p:nvGrpSpPr>
+      <p:grpSpPr>
+        <a:xfrm>
+          <a:off x="0" y="0"/>
+          <a:ext cx="0" cy="0"/>
+          <a:chOff x="0" y="0"/>
+          <a:chExt cx="0" cy="0"/>
+        </a:xfrm>
+      </p:grpSpPr>
+      <p:sp>
+        <p:nvSpPr>
+          <p:cNvPr id="2" name="Title 1">
+            <a:extLst>
+              <a:ext uri="{FF2B5EF4-FFF2-40B4-BE49-F238E27FC236}">
+                <a16:creationId xmlns:a16="http://schemas.microsoft.com/office/drawing/2014/main" id="{F50DBFB7-7656-27A2-0B80-D0FDFE62DC5C}"/>
+              </a:ext>
+            </a:extLst>
+          </p:cNvPr>
+          <p:cNvSpPr>
+            <a:spLocks noGrp="1"/>
+          </p:cNvSpPr>
+          <p:nvPr>
+            <p:ph type="title"/>
+          </p:nvPr>
+        </p:nvSpPr>
+        <p:spPr/>
+        <p:txBody>
+          <a:bodyPr/>
+          <a:lstStyle/>
+          <a:p>
+            <a:r>
+              <a:rPr lang="en-US" dirty="0"/>
+              <a:t>Conclusions</a:t>
+            </a:r>
+          </a:p>
+        </p:txBody>
+      </p:sp>
+      <p:sp>
+        <p:nvSpPr>
+          <p:cNvPr id="3" name="Content Placeholder 2">
+            <a:extLst>
+              <a:ext uri="{FF2B5EF4-FFF2-40B4-BE49-F238E27FC236}">
+                <a16:creationId xmlns:a16="http://schemas.microsoft.com/office/drawing/2014/main" id="{74AD2B2A-5450-C2F8-2F9F-FE4100746BB6}"/>
+              </a:ext>
+            </a:extLst>
+          </p:cNvPr>
+          <p:cNvSpPr>
+            <a:spLocks noGrp="1"/>
+          </p:cNvSpPr>
+          <p:nvPr>
+            <p:ph idx="1"/>
+          </p:nvPr>
+        </p:nvSpPr>
+        <p:spPr>
+          <a:xfrm>
+            <a:off x="1451579" y="2015732"/>
+            <a:ext cx="9603275" cy="3705560"/>
+          </a:xfrm>
+        </p:spPr>
+        <p:txBody>
+          <a:bodyPr>
+            <a:normAutofit lnSpcReduction="10000"/>
+          </a:bodyPr>
+          <a:lstStyle/>
+          <a:p>
+            <a:r>
+              <a:rPr lang="en-US" dirty="0"/>
+              <a:t>Tests on the predictors and the correlation matrix shows that most of the features on the dataset have little to no impact on rating.  When the feature set is reduced, near 100% accuracy can be achieved.</a:t>
+            </a:r>
+          </a:p>
+          <a:p>
+            <a:r>
+              <a:rPr lang="en-US" dirty="0"/>
+              <a:t>Sentiment analysis did not prove useful in this case.  This could be a result of the skewed dataset, inconsistency of reviewers and difficulties around nuances with coffee terminology.</a:t>
+            </a:r>
+          </a:p>
+          <a:p>
+            <a:r>
+              <a:rPr lang="en-US" dirty="0"/>
+              <a:t>The best regions to grow coffee are Central America, South America, and Hawaii.</a:t>
+            </a:r>
+          </a:p>
+          <a:p>
+            <a:r>
+              <a:rPr lang="en-US" dirty="0"/>
+              <a:t>A new rating system will need to be implemented for better analysis to account for the skewed data </a:t>
+            </a:r>
+          </a:p>
+        </p:txBody>
+      </p:sp>
+    </p:spTree>
+    <p:extLst>
+      <p:ext uri="{BB962C8B-B14F-4D97-AF65-F5344CB8AC3E}">
+        <p14:creationId xmlns:p14="http://schemas.microsoft.com/office/powerpoint/2010/main" val="2983536751"/>
+      </p:ext>
+    </p:extLst>
+  </p:cSld>
+  <p:clrMapOvr>
+    <a:masterClrMapping/>
+  </p:clrMapOvr>
+</p:sld>
+</file>
+
 <file path=ppt/slides/slide2.xml><?xml version="1.0" encoding="utf-8"?>
 <p:sld xmlns:a="http://schemas.openxmlformats.org/drawingml/2006/main" xmlns:r="http://schemas.openxmlformats.org/officeDocument/2006/relationships" xmlns:p="http://schemas.openxmlformats.org/presentationml/2006/main">
   <p:cSld>
@@ -3470,7 +4398,29 @@
           <a:bodyPr/>
           <a:lstStyle/>
           <a:p>
-            <a:endParaRPr lang="en-US"/>
+            <a:r>
+              <a:rPr lang="en-US" b="0" i="0" dirty="0">
+                <a:solidFill>
+                  <a:srgbClr val="1F2328"/>
+                </a:solidFill>
+                <a:effectLst/>
+                <a:latin typeface="-apple-system"/>
+              </a:rPr>
+              <a:t>Coffee is a popular drink worldwide with the industry is estimated to be valued in the hundreds of billions of dollars.</a:t>
+            </a:r>
+          </a:p>
+          <a:p>
+            <a:r>
+              <a:rPr lang="en-US" b="0" i="0" dirty="0">
+                <a:solidFill>
+                  <a:srgbClr val="1F2328"/>
+                </a:solidFill>
+                <a:effectLst/>
+                <a:latin typeface="-apple-system"/>
+              </a:rPr>
+              <a:t>Such a large industry can be an opportunity to analyze consumer trends for the purposes of maximizing profits. This project seeks to analyze reviews in order to determine what makes one coffee better than the rest.</a:t>
+            </a:r>
+            <a:endParaRPr lang="en-US" dirty="0"/>
           </a:p>
         </p:txBody>
       </p:sp>
@@ -3666,7 +4616,7 @@
         <p:spPr/>
         <p:txBody>
           <a:bodyPr>
-            <a:normAutofit fontScale="92500" lnSpcReduction="10000"/>
+            <a:normAutofit fontScale="85000" lnSpcReduction="20000"/>
           </a:bodyPr>
           <a:lstStyle/>
           <a:p>
@@ -3925,13 +4875,7 @@
       </p:grpSpPr>
       <p:sp>
         <p:nvSpPr>
-          <p:cNvPr id="2" name="Title 1">
-            <a:extLst>
-              <a:ext uri="{FF2B5EF4-FFF2-40B4-BE49-F238E27FC236}">
-                <a16:creationId xmlns:a16="http://schemas.microsoft.com/office/drawing/2014/main" id="{84287F7C-9F47-E720-E20A-D5F5D578ACAB}"/>
-              </a:ext>
-            </a:extLst>
-          </p:cNvPr>
+          <p:cNvPr id="2" name="Title 1"/>
           <p:cNvSpPr>
             <a:spLocks noGrp="1"/>
           </p:cNvSpPr>
@@ -3946,20 +4890,14 @@
           <a:p>
             <a:r>
               <a:rPr lang="en-US" dirty="0"/>
-              <a:t>Cleaning</a:t>
-            </a:r>
-          </a:p>
-        </p:txBody>
-      </p:sp>
-      <p:sp>
-        <p:nvSpPr>
-          <p:cNvPr id="3" name="Content Placeholder 2">
-            <a:extLst>
-              <a:ext uri="{FF2B5EF4-FFF2-40B4-BE49-F238E27FC236}">
-                <a16:creationId xmlns:a16="http://schemas.microsoft.com/office/drawing/2014/main" id="{2C692933-8CA7-73ED-6ACE-A618A6A7351B}"/>
-              </a:ext>
-            </a:extLst>
-          </p:cNvPr>
+              <a:t>DATA</a:t>
+            </a:r>
+          </a:p>
+        </p:txBody>
+      </p:sp>
+      <p:sp>
+        <p:nvSpPr>
+          <p:cNvPr id="3" name="Content Placeholder 2"/>
           <p:cNvSpPr>
             <a:spLocks noGrp="1"/>
           </p:cNvSpPr>
@@ -3972,14 +4910,46 @@
           <a:bodyPr/>
           <a:lstStyle/>
           <a:p>
-            <a:endParaRPr lang="en-US"/>
+            <a:pPr marL="0" indent="0">
+              <a:buNone/>
+            </a:pPr>
+            <a:r>
+              <a:rPr lang="en-US" dirty="0"/>
+              <a:t>Biases in the Dataset</a:t>
+            </a:r>
+          </a:p>
+          <a:p>
+            <a:r>
+              <a:rPr lang="en-US" dirty="0"/>
+              <a:t>Ratings are skewed high</a:t>
+            </a:r>
+          </a:p>
+          <a:p>
+            <a:pPr lvl="1"/>
+            <a:r>
+              <a:rPr lang="en-US" dirty="0"/>
+              <a:t>Poor ratings are not included on the website due to the philosophy of focusing on the positive side of Coffee instead of highlighting the underperforming.</a:t>
+            </a:r>
+          </a:p>
+          <a:p>
+            <a:pPr lvl="1"/>
+            <a:r>
+              <a:rPr lang="en-US" dirty="0"/>
+              <a:t>The bar for coffee standards have been rising.  The quality of coffee samples has been improving over the years causing ratings to increase overall.</a:t>
+            </a:r>
+          </a:p>
+          <a:p>
+            <a:r>
+              <a:rPr lang="en-US" dirty="0"/>
+              <a:t>These two facts results in the majority of data points being focused on the high end of ratings which may result in training a biased predictor.</a:t>
+            </a:r>
           </a:p>
         </p:txBody>
       </p:sp>
     </p:spTree>
     <p:extLst>
       <p:ext uri="{BB962C8B-B14F-4D97-AF65-F5344CB8AC3E}">
-        <p14:creationId xmlns:p14="http://schemas.microsoft.com/office/powerpoint/2010/main" val="1685924772"/>
+        <p14:creationId xmlns:p14="http://schemas.microsoft.com/office/powerpoint/2010/main" val="854373946"/>
       </p:ext>
     </p:extLst>
   </p:cSld>
@@ -4011,7 +4981,7 @@
           <p:cNvPr id="2" name="Title 1">
             <a:extLst>
               <a:ext uri="{FF2B5EF4-FFF2-40B4-BE49-F238E27FC236}">
-                <a16:creationId xmlns:a16="http://schemas.microsoft.com/office/drawing/2014/main" id="{14B7789E-75B0-9A0F-9D88-99F8405D73F3}"/>
+                <a16:creationId xmlns:a16="http://schemas.microsoft.com/office/drawing/2014/main" id="{84287F7C-9F47-E720-E20A-D5F5D578ACAB}"/>
               </a:ext>
             </a:extLst>
           </p:cNvPr>
@@ -4029,7 +4999,7 @@
           <a:p>
             <a:r>
               <a:rPr lang="en-US" dirty="0"/>
-              <a:t>Regression</a:t>
+              <a:t>Cleaning</a:t>
             </a:r>
           </a:p>
         </p:txBody>
@@ -4039,7 +5009,7 @@
           <p:cNvPr id="3" name="Content Placeholder 2">
             <a:extLst>
               <a:ext uri="{FF2B5EF4-FFF2-40B4-BE49-F238E27FC236}">
-                <a16:creationId xmlns:a16="http://schemas.microsoft.com/office/drawing/2014/main" id="{FEEF1C01-F078-2463-4CD8-2ECBFCA36AFC}"/>
+                <a16:creationId xmlns:a16="http://schemas.microsoft.com/office/drawing/2014/main" id="{2C692933-8CA7-73ED-6ACE-A618A6A7351B}"/>
               </a:ext>
             </a:extLst>
           </p:cNvPr>
@@ -4050,19 +5020,76 @@
             <p:ph idx="1"/>
           </p:nvPr>
         </p:nvSpPr>
-        <p:spPr/>
-        <p:txBody>
-          <a:bodyPr/>
-          <a:lstStyle/>
-          <a:p>
-            <a:endParaRPr lang="en-US"/>
+        <p:spPr>
+          <a:xfrm>
+            <a:off x="1451579" y="2015732"/>
+            <a:ext cx="9603275" cy="3823594"/>
+          </a:xfrm>
+        </p:spPr>
+        <p:txBody>
+          <a:bodyPr>
+            <a:normAutofit/>
+          </a:bodyPr>
+          <a:lstStyle/>
+          <a:p>
+            <a:r>
+              <a:rPr lang="en-US" dirty="0"/>
+              <a:t>Convert Dates from string type to </a:t>
+            </a:r>
+            <a:r>
+              <a:rPr lang="en-US" dirty="0" err="1"/>
+              <a:t>dateTime</a:t>
+            </a:r>
+            <a:r>
+              <a:rPr lang="en-US" dirty="0"/>
+              <a:t> type</a:t>
+            </a:r>
+          </a:p>
+          <a:p>
+            <a:r>
+              <a:rPr lang="en-US" dirty="0"/>
+              <a:t>Convert price and quantity to a standardized value (USD/grams)</a:t>
+            </a:r>
+          </a:p>
+          <a:p>
+            <a:pPr lvl="1"/>
+            <a:r>
+              <a:rPr lang="en-US" dirty="0"/>
+              <a:t>Used current conversions from Google Finance (3/29/2023 rates)</a:t>
+            </a:r>
+          </a:p>
+          <a:p>
+            <a:r>
+              <a:rPr lang="en-US" dirty="0"/>
+              <a:t>Convert text values to numeric values using VADER lexicon-based sentiment analysis</a:t>
+            </a:r>
+          </a:p>
+          <a:p>
+            <a:pPr lvl="1"/>
+            <a:r>
+              <a:rPr lang="en-US" dirty="0"/>
+              <a:t>First remove special symbols, then apply a polarity score to each text (-1 to 1)</a:t>
+            </a:r>
+          </a:p>
+          <a:p>
+            <a:pPr lvl="1"/>
+            <a:r>
+              <a:rPr lang="en-US" dirty="0"/>
+              <a:t>Lexicon based analyzers breaks texts down into individual tokens, meaning they require no greater context. This makes it a good general solution.</a:t>
+            </a:r>
+          </a:p>
+          <a:p>
+            <a:r>
+              <a:rPr lang="en-US" dirty="0"/>
+              <a:t>Lastly Drop any unneeded columns</a:t>
+            </a:r>
           </a:p>
         </p:txBody>
       </p:sp>
     </p:spTree>
     <p:extLst>
       <p:ext uri="{BB962C8B-B14F-4D97-AF65-F5344CB8AC3E}">
-        <p14:creationId xmlns:p14="http://schemas.microsoft.com/office/powerpoint/2010/main" val="1139178148"/>
+        <p14:creationId xmlns:p14="http://schemas.microsoft.com/office/powerpoint/2010/main" val="1685924772"/>
       </p:ext>
     </p:extLst>
   </p:cSld>
@@ -4091,13 +5118,7 @@
       </p:grpSpPr>
       <p:sp>
         <p:nvSpPr>
-          <p:cNvPr id="2" name="Title 1">
-            <a:extLst>
-              <a:ext uri="{FF2B5EF4-FFF2-40B4-BE49-F238E27FC236}">
-                <a16:creationId xmlns:a16="http://schemas.microsoft.com/office/drawing/2014/main" id="{0AB50EA6-9C79-2679-0CAA-6B21A77D3393}"/>
-              </a:ext>
-            </a:extLst>
-          </p:cNvPr>
+          <p:cNvPr id="2" name="Title 1"/>
           <p:cNvSpPr>
             <a:spLocks noGrp="1"/>
           </p:cNvSpPr>
@@ -4112,20 +5133,14 @@
           <a:p>
             <a:r>
               <a:rPr lang="en-US" dirty="0"/>
-              <a:t>Fixes</a:t>
-            </a:r>
-          </a:p>
-        </p:txBody>
-      </p:sp>
-      <p:sp>
-        <p:nvSpPr>
-          <p:cNvPr id="3" name="Content Placeholder 2">
-            <a:extLst>
-              <a:ext uri="{FF2B5EF4-FFF2-40B4-BE49-F238E27FC236}">
-                <a16:creationId xmlns:a16="http://schemas.microsoft.com/office/drawing/2014/main" id="{5546045D-8970-D223-60CC-A9A17A936D9E}"/>
-              </a:ext>
-            </a:extLst>
-          </p:cNvPr>
+              <a:t>Regression</a:t>
+            </a:r>
+          </a:p>
+        </p:txBody>
+      </p:sp>
+      <p:sp>
+        <p:nvSpPr>
+          <p:cNvPr id="3" name="Content Placeholder 2"/>
           <p:cNvSpPr>
             <a:spLocks noGrp="1"/>
           </p:cNvSpPr>
@@ -4135,17 +5150,49 @@
         </p:nvSpPr>
         <p:spPr/>
         <p:txBody>
-          <a:bodyPr/>
-          <a:lstStyle/>
-          <a:p>
-            <a:endParaRPr lang="en-US"/>
+          <a:bodyPr>
+            <a:normAutofit/>
+          </a:bodyPr>
+          <a:lstStyle/>
+          <a:p>
+            <a:r>
+              <a:rPr lang="en-US" dirty="0"/>
+              <a:t>Lasso Regression – A penalized regression method that is useful when dealing with a large number of features.</a:t>
+            </a:r>
+          </a:p>
+          <a:p>
+            <a:pPr lvl="1"/>
+            <a:r>
+              <a:rPr lang="en-US" dirty="0"/>
+              <a:t>Uses coefficients to decrease the effects that’s unrelated variables have on predicting the label.</a:t>
+            </a:r>
+          </a:p>
+          <a:p>
+            <a:pPr lvl="1"/>
+            <a:r>
+              <a:rPr lang="en-US" dirty="0"/>
+              <a:t>This can be a bad thing in cases where some coefficients are driven so low that the features no longer impact the label</a:t>
+            </a:r>
+          </a:p>
+          <a:p>
+            <a:pPr lvl="2"/>
+            <a:r>
+              <a:rPr lang="en-US" dirty="0"/>
+              <a:t>Can be a result of insufficient training, datasets with little correlation, or large outliers</a:t>
+            </a:r>
+          </a:p>
+          <a:p>
+            <a:r>
+              <a:rPr lang="en-US" dirty="0"/>
+              <a:t>Lasso Score (coefficient of determination): 0.02147 </a:t>
+            </a:r>
           </a:p>
         </p:txBody>
       </p:sp>
     </p:spTree>
     <p:extLst>
       <p:ext uri="{BB962C8B-B14F-4D97-AF65-F5344CB8AC3E}">
-        <p14:creationId xmlns:p14="http://schemas.microsoft.com/office/powerpoint/2010/main" val="926442976"/>
+        <p14:creationId xmlns:p14="http://schemas.microsoft.com/office/powerpoint/2010/main" val="1507245871"/>
       </p:ext>
     </p:extLst>
   </p:cSld>
@@ -4174,13 +5221,7 @@
       </p:grpSpPr>
       <p:sp>
         <p:nvSpPr>
-          <p:cNvPr id="2" name="Title 1">
-            <a:extLst>
-              <a:ext uri="{FF2B5EF4-FFF2-40B4-BE49-F238E27FC236}">
-                <a16:creationId xmlns:a16="http://schemas.microsoft.com/office/drawing/2014/main" id="{F50DBFB7-7656-27A2-0B80-D0FDFE62DC5C}"/>
-              </a:ext>
-            </a:extLst>
-          </p:cNvPr>
+          <p:cNvPr id="2" name="Title 1"/>
           <p:cNvSpPr>
             <a:spLocks noGrp="1"/>
           </p:cNvSpPr>
@@ -4188,47 +5229,97 @@
             <p:ph type="title"/>
           </p:nvPr>
         </p:nvSpPr>
-        <p:spPr/>
-        <p:txBody>
-          <a:bodyPr/>
-          <a:lstStyle/>
-          <a:p>
-            <a:r>
-              <a:rPr lang="en-US" dirty="0"/>
-              <a:t>Conclusions</a:t>
-            </a:r>
-          </a:p>
-        </p:txBody>
-      </p:sp>
-      <p:sp>
-        <p:nvSpPr>
-          <p:cNvPr id="3" name="Content Placeholder 2">
-            <a:extLst>
-              <a:ext uri="{FF2B5EF4-FFF2-40B4-BE49-F238E27FC236}">
-                <a16:creationId xmlns:a16="http://schemas.microsoft.com/office/drawing/2014/main" id="{74AD2B2A-5450-C2F8-2F9F-FE4100746BB6}"/>
-              </a:ext>
-            </a:extLst>
-          </p:cNvPr>
-          <p:cNvSpPr>
-            <a:spLocks noGrp="1"/>
-          </p:cNvSpPr>
+        <p:spPr>
+          <a:xfrm>
+            <a:off x="1444671" y="1647295"/>
+            <a:ext cx="3273099" cy="1398794"/>
+          </a:xfrm>
+        </p:spPr>
+        <p:txBody>
+          <a:bodyPr>
+            <a:normAutofit/>
+          </a:bodyPr>
+          <a:lstStyle/>
+          <a:p>
+            <a:r>
+              <a:rPr lang="en-US" sz="3200" dirty="0"/>
+              <a:t>Feature Reduction</a:t>
+            </a:r>
+            <a:br>
+              <a:rPr lang="en-US" dirty="0"/>
+            </a:br>
+            <a:endParaRPr lang="en-US" dirty="0"/>
+          </a:p>
+        </p:txBody>
+      </p:sp>
+      <p:sp>
+        <p:nvSpPr>
+          <p:cNvPr id="4" name="Text Placeholder 3"/>
+          <p:cNvSpPr>
+            <a:spLocks noGrp="1"/>
+          </p:cNvSpPr>
+          <p:nvPr>
+            <p:ph type="body" sz="half" idx="2"/>
+          </p:nvPr>
+        </p:nvSpPr>
+        <p:spPr>
+          <a:xfrm>
+            <a:off x="1442757" y="3272588"/>
+            <a:ext cx="3275013" cy="2570495"/>
+          </a:xfrm>
+        </p:spPr>
+        <p:txBody>
+          <a:bodyPr>
+            <a:normAutofit/>
+          </a:bodyPr>
+          <a:lstStyle/>
+          <a:p>
+            <a:r>
+              <a:rPr lang="en-US" sz="2000" dirty="0"/>
+              <a:t>Features such as Aroma, Acid, Body, Flavor, and Aftertaste had the greatest effect on the rating.</a:t>
+            </a:r>
+          </a:p>
+          <a:p>
+            <a:r>
+              <a:rPr lang="en-US" sz="2000" dirty="0"/>
+              <a:t>Reduced Features Lasso Score: -0.00655</a:t>
+            </a:r>
+          </a:p>
+          <a:p>
+            <a:endParaRPr lang="en-US" dirty="0"/>
+          </a:p>
+        </p:txBody>
+      </p:sp>
+      <p:pic>
+        <p:nvPicPr>
+          <p:cNvPr id="5" name="Content Placeholder 4"/>
+          <p:cNvPicPr>
+            <a:picLocks noGrp="1" noChangeAspect="1"/>
+          </p:cNvPicPr>
           <p:nvPr>
             <p:ph idx="1"/>
           </p:nvPr>
-        </p:nvSpPr>
-        <p:spPr/>
-        <p:txBody>
-          <a:bodyPr/>
-          <a:lstStyle/>
-          <a:p>
-            <a:endParaRPr lang="en-US"/>
-          </a:p>
-        </p:txBody>
-      </p:sp>
+        </p:nvPicPr>
+        <p:blipFill>
+          <a:blip r:embed="rId2"/>
+          <a:stretch>
+            <a:fillRect/>
+          </a:stretch>
+        </p:blipFill>
+        <p:spPr>
+          <a:xfrm>
+            <a:off x="5101922" y="249095"/>
+            <a:ext cx="6881531" cy="5734610"/>
+          </a:xfrm>
+          <a:prstGeom prst="rect">
+            <a:avLst/>
+          </a:prstGeom>
+        </p:spPr>
+      </p:pic>
     </p:spTree>
     <p:extLst>
       <p:ext uri="{BB962C8B-B14F-4D97-AF65-F5344CB8AC3E}">
-        <p14:creationId xmlns:p14="http://schemas.microsoft.com/office/powerpoint/2010/main" val="2983536751"/>
+        <p14:creationId xmlns:p14="http://schemas.microsoft.com/office/powerpoint/2010/main" val="1567301565"/>
       </p:ext>
     </p:extLst>
   </p:cSld>
@@ -4239,9 +5330,9 @@
 </file>
 
 <file path=ppt/theme/theme1.xml><?xml version="1.0" encoding="utf-8"?>
-<a:theme xmlns:a="http://schemas.openxmlformats.org/drawingml/2006/main" name="Office Theme">
+<a:theme xmlns:a="http://schemas.openxmlformats.org/drawingml/2006/main" name="Gallery">
   <a:themeElements>
-    <a:clrScheme name="Office">
+    <a:clrScheme name="Gallery">
       <a:dk1>
         <a:sysClr val="windowText" lastClr="000000"/>
       </a:dk1>
@@ -4249,39 +5340,39 @@
         <a:sysClr val="window" lastClr="FFFFFF"/>
       </a:lt1>
       <a:dk2>
-        <a:srgbClr val="44546A"/>
+        <a:srgbClr val="454545"/>
       </a:dk2>
       <a:lt2>
-        <a:srgbClr val="E7E6E6"/>
+        <a:srgbClr val="DFDBD5"/>
       </a:lt2>
       <a:accent1>
-        <a:srgbClr val="4472C4"/>
+        <a:srgbClr val="B71E42"/>
       </a:accent1>
       <a:accent2>
-        <a:srgbClr val="ED7D31"/>
+        <a:srgbClr val="DE478E"/>
       </a:accent2>
       <a:accent3>
-        <a:srgbClr val="A5A5A5"/>
+        <a:srgbClr val="BC72F0"/>
       </a:accent3>
       <a:accent4>
-        <a:srgbClr val="FFC000"/>
+        <a:srgbClr val="795FAF"/>
       </a:accent4>
       <a:accent5>
-        <a:srgbClr val="5B9BD5"/>
+        <a:srgbClr val="586EA6"/>
       </a:accent5>
       <a:accent6>
-        <a:srgbClr val="70AD47"/>
+        <a:srgbClr val="6892A0"/>
       </a:accent6>
       <a:hlink>
-        <a:srgbClr val="0563C1"/>
+        <a:srgbClr val="FA2B5C"/>
       </a:hlink>
       <a:folHlink>
-        <a:srgbClr val="954F72"/>
+        <a:srgbClr val="BC658E"/>
       </a:folHlink>
     </a:clrScheme>
-    <a:fontScheme name="Office">
+    <a:fontScheme name="Gallery">
       <a:majorFont>
-        <a:latin typeface="Calibri Light" panose="020F0302020204030204"/>
+        <a:latin typeface="Gill Sans MT" panose="020B0502020104020203"/>
         <a:ea typeface=""/>
         <a:cs typeface=""/>
         <a:font script="Jpan" typeface="游ゴシック Light"/>
@@ -4314,26 +5405,9 @@
         <a:font script="Viet" typeface="Times New Roman"/>
         <a:font script="Uigh" typeface="Microsoft Uighur"/>
         <a:font script="Geor" typeface="Sylfaen"/>
-        <a:font script="Armn" typeface="Arial"/>
-        <a:font script="Bugi" typeface="Leelawadee UI"/>
-        <a:font script="Bopo" typeface="Microsoft JhengHei"/>
-        <a:font script="Java" typeface="Javanese Text"/>
-        <a:font script="Lisu" typeface="Segoe UI"/>
-        <a:font script="Mymr" typeface="Myanmar Text"/>
-        <a:font script="Nkoo" typeface="Ebrima"/>
-        <a:font script="Olck" typeface="Nirmala UI"/>
-        <a:font script="Osma" typeface="Ebrima"/>
-        <a:font script="Phag" typeface="Phagspa"/>
-        <a:font script="Syrn" typeface="Estrangelo Edessa"/>
-        <a:font script="Syrj" typeface="Estrangelo Edessa"/>
-        <a:font script="Syre" typeface="Estrangelo Edessa"/>
-        <a:font script="Sora" typeface="Nirmala UI"/>
-        <a:font script="Tale" typeface="Microsoft Tai Le"/>
-        <a:font script="Talu" typeface="Microsoft New Tai Lue"/>
-        <a:font script="Tfng" typeface="Ebrima"/>
       </a:majorFont>
       <a:minorFont>
-        <a:latin typeface="Calibri" panose="020F0502020204030204"/>
+        <a:latin typeface="Gill Sans MT" panose="020B0502020104020203"/>
         <a:ea typeface=""/>
         <a:cs typeface=""/>
         <a:font script="Jpan" typeface="游ゴシック"/>
@@ -4366,26 +5440,9 @@
         <a:font script="Viet" typeface="Arial"/>
         <a:font script="Uigh" typeface="Microsoft Uighur"/>
         <a:font script="Geor" typeface="Sylfaen"/>
-        <a:font script="Armn" typeface="Arial"/>
-        <a:font script="Bugi" typeface="Leelawadee UI"/>
-        <a:font script="Bopo" typeface="Microsoft JhengHei"/>
-        <a:font script="Java" typeface="Javanese Text"/>
-        <a:font script="Lisu" typeface="Segoe UI"/>
-        <a:font script="Mymr" typeface="Myanmar Text"/>
-        <a:font script="Nkoo" typeface="Ebrima"/>
-        <a:font script="Olck" typeface="Nirmala UI"/>
-        <a:font script="Osma" typeface="Ebrima"/>
-        <a:font script="Phag" typeface="Phagspa"/>
-        <a:font script="Syrn" typeface="Estrangelo Edessa"/>
-        <a:font script="Syrj" typeface="Estrangelo Edessa"/>
-        <a:font script="Syre" typeface="Estrangelo Edessa"/>
-        <a:font script="Sora" typeface="Nirmala UI"/>
-        <a:font script="Tale" typeface="Microsoft Tai Le"/>
-        <a:font script="Talu" typeface="Microsoft New Tai Lue"/>
-        <a:font script="Tfng" typeface="Ebrima"/>
       </a:minorFont>
     </a:fontScheme>
-    <a:fmtScheme name="Office">
+    <a:fmtScheme name="Gallery">
       <a:fillStyleLst>
         <a:solidFill>
           <a:schemeClr val="phClr"/>
@@ -4394,23 +5451,18 @@
           <a:gsLst>
             <a:gs pos="0">
               <a:schemeClr val="phClr">
+                <a:tint val="54000"/>
+                <a:alpha val="100000"/>
+                <a:satMod val="105000"/>
                 <a:lumMod val="110000"/>
-                <a:satMod val="105000"/>
-                <a:tint val="67000"/>
-              </a:schemeClr>
-            </a:gs>
-            <a:gs pos="50000">
-              <a:schemeClr val="phClr">
-                <a:lumMod val="105000"/>
-                <a:satMod val="103000"/>
-                <a:tint val="73000"/>
               </a:schemeClr>
             </a:gs>
             <a:gs pos="100000">
               <a:schemeClr val="phClr">
-                <a:lumMod val="105000"/>
+                <a:tint val="78000"/>
+                <a:alpha val="92000"/>
                 <a:satMod val="109000"/>
-                <a:tint val="81000"/>
+                <a:lumMod val="100000"/>
               </a:schemeClr>
             </a:gs>
           </a:gsLst>
@@ -4420,23 +5472,23 @@
           <a:gsLst>
             <a:gs pos="0">
               <a:schemeClr val="phClr">
-                <a:satMod val="103000"/>
-                <a:lumMod val="102000"/>
-                <a:tint val="94000"/>
+                <a:tint val="98000"/>
+                <a:satMod val="110000"/>
+                <a:lumMod val="104000"/>
               </a:schemeClr>
             </a:gs>
-            <a:gs pos="50000">
+            <a:gs pos="69000">
               <a:schemeClr val="phClr">
-                <a:satMod val="110000"/>
-                <a:lumMod val="100000"/>
-                <a:shade val="100000"/>
+                <a:shade val="88000"/>
+                <a:satMod val="130000"/>
+                <a:lumMod val="92000"/>
               </a:schemeClr>
             </a:gs>
             <a:gs pos="100000">
               <a:schemeClr val="phClr">
-                <a:lumMod val="99000"/>
-                <a:satMod val="120000"/>
                 <a:shade val="78000"/>
+                <a:satMod val="130000"/>
+                <a:lumMod val="92000"/>
               </a:schemeClr>
             </a:gs>
           </a:gsLst>
@@ -4444,26 +5496,23 @@
         </a:gradFill>
       </a:fillStyleLst>
       <a:lnStyleLst>
-        <a:ln w="6350" cap="flat" cmpd="sng" algn="ctr">
+        <a:ln w="9525" cap="flat" cmpd="sng" algn="ctr">
           <a:solidFill>
             <a:schemeClr val="phClr"/>
           </a:solidFill>
           <a:prstDash val="solid"/>
-          <a:miter lim="800000"/>
         </a:ln>
-        <a:ln w="12700" cap="flat" cmpd="sng" algn="ctr">
+        <a:ln w="15875" cap="flat" cmpd="sng" algn="ctr">
           <a:solidFill>
             <a:schemeClr val="phClr"/>
           </a:solidFill>
           <a:prstDash val="solid"/>
-          <a:miter lim="800000"/>
         </a:ln>
-        <a:ln w="19050" cap="flat" cmpd="sng" algn="ctr">
+        <a:ln w="22225" cap="flat" cmpd="sng" algn="ctr">
           <a:solidFill>
             <a:schemeClr val="phClr"/>
           </a:solidFill>
           <a:prstDash val="solid"/>
-          <a:miter lim="800000"/>
         </a:ln>
       </a:lnStyleLst>
       <a:effectStyleLst>
@@ -4475,12 +5524,23 @@
         </a:effectStyle>
         <a:effectStyle>
           <a:effectLst>
-            <a:outerShdw blurRad="57150" dist="19050" dir="5400000" algn="ctr" rotWithShape="0">
+            <a:outerShdw blurRad="50800" dist="50800" dir="5400000" sx="96000" sy="96000" rotWithShape="0">
               <a:srgbClr val="000000">
-                <a:alpha val="63000"/>
+                <a:alpha val="48000"/>
               </a:srgbClr>
             </a:outerShdw>
           </a:effectLst>
+          <a:scene3d>
+            <a:camera prst="orthographicFront">
+              <a:rot lat="0" lon="0" rev="0"/>
+            </a:camera>
+            <a:lightRig rig="balanced" dir="t">
+              <a:rot lat="0" lon="0" rev="1080000"/>
+            </a:lightRig>
+          </a:scene3d>
+          <a:sp3d>
+            <a:bevelT w="38100" h="12700" prst="softRound"/>
+          </a:sp3d>
         </a:effectStyle>
       </a:effectStyleLst>
       <a:bgFillStyleLst>
@@ -4488,37 +5548,26 @@
           <a:schemeClr val="phClr"/>
         </a:solidFill>
         <a:solidFill>
-          <a:schemeClr val="phClr">
-            <a:tint val="95000"/>
-            <a:satMod val="170000"/>
-          </a:schemeClr>
+          <a:schemeClr val="phClr"/>
         </a:solidFill>
         <a:gradFill rotWithShape="1">
           <a:gsLst>
             <a:gs pos="0">
               <a:schemeClr val="phClr">
-                <a:tint val="93000"/>
-                <a:satMod val="150000"/>
-                <a:shade val="98000"/>
-                <a:lumMod val="102000"/>
-              </a:schemeClr>
-            </a:gs>
-            <a:gs pos="50000">
-              <a:schemeClr val="phClr">
-                <a:tint val="98000"/>
-                <a:satMod val="130000"/>
-                <a:shade val="90000"/>
-                <a:lumMod val="103000"/>
+                <a:tint val="94000"/>
+                <a:satMod val="80000"/>
+                <a:lumMod val="106000"/>
               </a:schemeClr>
             </a:gs>
             <a:gs pos="100000">
               <a:schemeClr val="phClr">
-                <a:shade val="63000"/>
-                <a:satMod val="120000"/>
+                <a:shade val="80000"/>
               </a:schemeClr>
             </a:gs>
           </a:gsLst>
-          <a:lin ang="5400000" scaled="0"/>
+          <a:path path="circle">
+            <a:fillToRect l="50000" t="50000" r="50000" b="50000"/>
+          </a:path>
         </a:gradFill>
       </a:bgFillStyleLst>
     </a:fmtScheme>
@@ -4527,7 +5576,7 @@
   <a:extraClrSchemeLst/>
   <a:extLst>
     <a:ext uri="{05A4C25C-085E-4340-85A3-A5531E510DB2}">
-      <thm15:themeFamily xmlns:thm15="http://schemas.microsoft.com/office/thememl/2012/main" name="Office Theme" id="{62F939B6-93AF-4DB8-9C6B-D6C7DFDC589F}" vid="{4A3C46E8-61CC-4603-A589-7422A47A8E4A}"/>
+      <thm15:themeFamily xmlns:thm15="http://schemas.microsoft.com/office/thememl/2012/main" name="Gallery" id="{BBFCD31E-59A1-489D-B089-A3EAD7CAE12E}" vid="{F5E91637-A7B6-4E27-B710-77DA7014EE1E}"/>
     </a:ext>
   </a:extLst>
 </a:theme>
